--- a/work_material/Cassidy_Presentation_SDER_2019.pptx
+++ b/work_material/Cassidy_Presentation_SDER_2019.pptx
@@ -8,23 +8,24 @@
     <p:sldId id="256" r:id="rId2"/>
     <p:sldId id="259" r:id="rId3"/>
     <p:sldId id="257" r:id="rId4"/>
-    <p:sldId id="258" r:id="rId5"/>
-    <p:sldId id="260" r:id="rId6"/>
-    <p:sldId id="261" r:id="rId7"/>
+    <p:sldId id="276" r:id="rId5"/>
+    <p:sldId id="258" r:id="rId6"/>
+    <p:sldId id="260" r:id="rId7"/>
     <p:sldId id="275" r:id="rId8"/>
-    <p:sldId id="272" r:id="rId9"/>
-    <p:sldId id="262" r:id="rId10"/>
+    <p:sldId id="262" r:id="rId9"/>
+    <p:sldId id="272" r:id="rId10"/>
     <p:sldId id="274" r:id="rId11"/>
-    <p:sldId id="273" r:id="rId12"/>
-    <p:sldId id="263" r:id="rId13"/>
-    <p:sldId id="264" r:id="rId14"/>
-    <p:sldId id="265" r:id="rId15"/>
-    <p:sldId id="266" r:id="rId16"/>
-    <p:sldId id="267" r:id="rId17"/>
-    <p:sldId id="268" r:id="rId18"/>
+    <p:sldId id="277" r:id="rId12"/>
+    <p:sldId id="278" r:id="rId13"/>
+    <p:sldId id="263" r:id="rId14"/>
+    <p:sldId id="264" r:id="rId15"/>
+    <p:sldId id="265" r:id="rId16"/>
+    <p:sldId id="266" r:id="rId17"/>
+    <p:sldId id="267" r:id="rId18"/>
     <p:sldId id="269" r:id="rId19"/>
-    <p:sldId id="270" r:id="rId20"/>
-    <p:sldId id="271" r:id="rId21"/>
+    <p:sldId id="268" r:id="rId20"/>
+    <p:sldId id="270" r:id="rId21"/>
+    <p:sldId id="271" r:id="rId22"/>
   </p:sldIdLst>
   <p:sldSz cx="12192000" cy="6858000"/>
   <p:notesSz cx="6858000" cy="9144000"/>
@@ -123,6 +124,11 @@
       </a:defRPr>
     </a:lvl9pPr>
   </p:defaultTextStyle>
+  <p:extLst>
+    <p:ext uri="{EFAFB233-063F-42B5-8137-9DF3F51BA10A}">
+      <p15:sldGuideLst xmlns:p15="http://schemas.microsoft.com/office/powerpoint/2012/main"/>
+    </p:ext>
+  </p:extLst>
 </p:presentation>
 </file>
 
@@ -352,7 +358,7 @@
           <a:p>
             <a:fld id="{E420D042-ABA8-4E65-997A-EABE03C5CDB7}" type="datetimeFigureOut">
               <a:rPr lang="en-US" smtClean="0"/>
-              <a:t>6/3/2019</a:t>
+              <a:t>6/4/2019</a:t>
             </a:fld>
             <a:endParaRPr lang="en-US"/>
           </a:p>
@@ -560,7 +566,7 @@
           <a:p>
             <a:fld id="{E420D042-ABA8-4E65-997A-EABE03C5CDB7}" type="datetimeFigureOut">
               <a:rPr lang="en-US" smtClean="0"/>
-              <a:t>6/3/2019</a:t>
+              <a:t>6/4/2019</a:t>
             </a:fld>
             <a:endParaRPr lang="en-US"/>
           </a:p>
@@ -816,7 +822,7 @@
           <a:p>
             <a:fld id="{E420D042-ABA8-4E65-997A-EABE03C5CDB7}" type="datetimeFigureOut">
               <a:rPr lang="en-US" smtClean="0"/>
-              <a:t>6/3/2019</a:t>
+              <a:t>6/4/2019</a:t>
             </a:fld>
             <a:endParaRPr lang="en-US"/>
           </a:p>
@@ -990,7 +996,7 @@
           <a:p>
             <a:fld id="{E420D042-ABA8-4E65-997A-EABE03C5CDB7}" type="datetimeFigureOut">
               <a:rPr lang="en-US" smtClean="0"/>
-              <a:t>6/3/2019</a:t>
+              <a:t>6/4/2019</a:t>
             </a:fld>
             <a:endParaRPr lang="en-US"/>
           </a:p>
@@ -1333,7 +1339,7 @@
           <a:p>
             <a:fld id="{E420D042-ABA8-4E65-997A-EABE03C5CDB7}" type="datetimeFigureOut">
               <a:rPr lang="en-US" smtClean="0"/>
-              <a:t>6/3/2019</a:t>
+              <a:t>6/4/2019</a:t>
             </a:fld>
             <a:endParaRPr lang="en-US"/>
           </a:p>
@@ -1608,7 +1614,7 @@
           <a:p>
             <a:fld id="{E420D042-ABA8-4E65-997A-EABE03C5CDB7}" type="datetimeFigureOut">
               <a:rPr lang="en-US" smtClean="0"/>
-              <a:t>6/3/2019</a:t>
+              <a:t>6/4/2019</a:t>
             </a:fld>
             <a:endParaRPr lang="en-US"/>
           </a:p>
@@ -1987,7 +1993,7 @@
           <a:p>
             <a:fld id="{E420D042-ABA8-4E65-997A-EABE03C5CDB7}" type="datetimeFigureOut">
               <a:rPr lang="en-US" smtClean="0"/>
-              <a:t>6/3/2019</a:t>
+              <a:t>6/4/2019</a:t>
             </a:fld>
             <a:endParaRPr lang="en-US"/>
           </a:p>
@@ -2105,7 +2111,7 @@
           <a:p>
             <a:fld id="{E420D042-ABA8-4E65-997A-EABE03C5CDB7}" type="datetimeFigureOut">
               <a:rPr lang="en-US" smtClean="0"/>
-              <a:t>6/3/2019</a:t>
+              <a:t>6/4/2019</a:t>
             </a:fld>
             <a:endParaRPr lang="en-US"/>
           </a:p>
@@ -2276,7 +2282,7 @@
           <a:p>
             <a:fld id="{E420D042-ABA8-4E65-997A-EABE03C5CDB7}" type="datetimeFigureOut">
               <a:rPr lang="en-US" smtClean="0"/>
-              <a:t>6/3/2019</a:t>
+              <a:t>6/4/2019</a:t>
             </a:fld>
             <a:endParaRPr lang="en-US"/>
           </a:p>
@@ -2630,7 +2636,7 @@
           <a:p>
             <a:fld id="{E420D042-ABA8-4E65-997A-EABE03C5CDB7}" type="datetimeFigureOut">
               <a:rPr lang="en-US" smtClean="0"/>
-              <a:t>6/3/2019</a:t>
+              <a:t>6/4/2019</a:t>
             </a:fld>
             <a:endParaRPr lang="en-US"/>
           </a:p>
@@ -3012,7 +3018,7 @@
           <a:p>
             <a:fld id="{E420D042-ABA8-4E65-997A-EABE03C5CDB7}" type="datetimeFigureOut">
               <a:rPr lang="en-US" smtClean="0"/>
-              <a:t>6/3/2019</a:t>
+              <a:t>6/4/2019</a:t>
             </a:fld>
             <a:endParaRPr lang="en-US"/>
           </a:p>
@@ -3299,7 +3305,7 @@
           <a:p>
             <a:fld id="{E420D042-ABA8-4E65-997A-EABE03C5CDB7}" type="datetimeFigureOut">
               <a:rPr lang="en-US" smtClean="0"/>
-              <a:t>6/3/2019</a:t>
+              <a:t>6/4/2019</a:t>
             </a:fld>
             <a:endParaRPr lang="en-US"/>
           </a:p>
@@ -3962,16 +3968,190 @@
         </p:nvSpPr>
         <p:spPr/>
         <p:txBody>
-          <a:bodyPr/>
-          <a:lstStyle/>
-          <a:p>
-            <a:r>
-              <a:rPr lang="en-US" dirty="0"/>
-              <a:t>Module names, general process (inputs and outputs)</a:t>
+          <a:bodyPr>
+            <a:normAutofit fontScale="85000" lnSpcReduction="20000"/>
+          </a:bodyPr>
+          <a:lstStyle/>
+          <a:p>
+            <a:r>
+              <a:rPr lang="en-US" dirty="0" err="1"/>
+              <a:t>Import_geometry</a:t>
+            </a:r>
+            <a:r>
+              <a:rPr lang="en-US" dirty="0"/>
+              <a:t>:</a:t>
+            </a:r>
+          </a:p>
+          <a:p>
+            <a:pPr lvl="1"/>
+            <a:r>
+              <a:rPr lang="en-US" dirty="0"/>
+              <a:t>Imports geometry from user definition, converts to strings compatible with </a:t>
+            </a:r>
+            <a:r>
+              <a:rPr lang="en-US" dirty="0" err="1"/>
+              <a:t>OpenFOAM</a:t>
+            </a:r>
+            <a:r>
+              <a:rPr lang="en-US" dirty="0"/>
+              <a:t> convention</a:t>
+            </a:r>
+          </a:p>
+          <a:p>
+            <a:r>
+              <a:rPr lang="en-US" dirty="0" err="1"/>
+              <a:t>create_blockmeshfile</a:t>
+            </a:r>
+            <a:r>
+              <a:rPr lang="en-US" dirty="0"/>
+              <a:t>:</a:t>
+            </a:r>
+          </a:p>
+          <a:p>
+            <a:pPr lvl="1"/>
+            <a:r>
+              <a:rPr lang="en-US" dirty="0"/>
+              <a:t>Writes the geometry and mesh assignment to </a:t>
+            </a:r>
+            <a:r>
+              <a:rPr lang="en-US" i="1" dirty="0" err="1"/>
+              <a:t>blockMeshDict</a:t>
+            </a:r>
+            <a:r>
+              <a:rPr lang="en-US" i="1" dirty="0"/>
+              <a:t> </a:t>
+            </a:r>
+            <a:r>
+              <a:rPr lang="en-US" dirty="0"/>
+              <a:t>file</a:t>
+            </a:r>
+            <a:endParaRPr lang="en-US" i="1" dirty="0"/>
+          </a:p>
+          <a:p>
+            <a:r>
+              <a:rPr lang="en-US" dirty="0" err="1"/>
+              <a:t>setup_surrounding_cases</a:t>
+            </a:r>
+            <a:r>
+              <a:rPr lang="en-US" dirty="0"/>
+              <a:t>:</a:t>
+            </a:r>
+          </a:p>
+          <a:p>
+            <a:pPr lvl="1"/>
+            <a:r>
+              <a:rPr lang="en-US" dirty="0"/>
+              <a:t>Creates four new cases (varying flow rate) around the user defined flow rate (25-150% user defined flow rate). Writes initial conditions, solver, and control files for each </a:t>
+            </a:r>
+          </a:p>
+          <a:p>
+            <a:r>
+              <a:rPr lang="en-US" dirty="0"/>
+              <a:t>runner:</a:t>
+            </a:r>
+          </a:p>
+          <a:p>
+            <a:pPr lvl="1"/>
+            <a:r>
+              <a:rPr lang="en-US" dirty="0"/>
+              <a:t>Automate meshing and simulations in parallel.</a:t>
+            </a:r>
+          </a:p>
+          <a:p>
+            <a:pPr lvl="1"/>
+            <a:r>
+              <a:rPr lang="en-US" dirty="0"/>
+              <a:t>Still in development</a:t>
+            </a:r>
+          </a:p>
+          <a:p>
+            <a:r>
+              <a:rPr lang="en-US" dirty="0" err="1"/>
+              <a:t>post_processor</a:t>
+            </a:r>
+            <a:r>
+              <a:rPr lang="en-US" dirty="0"/>
+              <a:t>:</a:t>
+            </a:r>
+          </a:p>
+          <a:p>
+            <a:pPr lvl="1"/>
+            <a:r>
+              <a:rPr lang="en-US" dirty="0"/>
+              <a:t>Reads data from </a:t>
+            </a:r>
+            <a:r>
+              <a:rPr lang="en-US" dirty="0" err="1"/>
+              <a:t>OpenFOAM</a:t>
+            </a:r>
+            <a:r>
+              <a:rPr lang="en-US" dirty="0"/>
+              <a:t> </a:t>
+            </a:r>
+            <a:r>
+              <a:rPr lang="en-US" dirty="0" err="1"/>
+              <a:t>outfiles</a:t>
+            </a:r>
+            <a:r>
+              <a:rPr lang="en-US" dirty="0"/>
+              <a:t> </a:t>
+            </a:r>
+          </a:p>
+          <a:p>
+            <a:pPr lvl="1"/>
+            <a:r>
+              <a:rPr lang="en-US" dirty="0"/>
+              <a:t>Computes maximum average pot temperature as metric for optimization</a:t>
+            </a:r>
+          </a:p>
+          <a:p>
+            <a:pPr lvl="1"/>
+            <a:r>
+              <a:rPr lang="en-US" dirty="0"/>
+              <a:t>Creates four new cases surrounding the optimal case from the previous five simulations</a:t>
             </a:r>
           </a:p>
           <a:p>
             <a:endParaRPr lang="en-US" dirty="0"/>
+          </a:p>
+        </p:txBody>
+      </p:sp>
+      <p:sp>
+        <p:nvSpPr>
+          <p:cNvPr id="4" name="TextBox 3">
+            <a:extLst>
+              <a:ext uri="{FF2B5EF4-FFF2-40B4-BE49-F238E27FC236}">
+                <a16:creationId xmlns:a16="http://schemas.microsoft.com/office/drawing/2014/main" id="{C1BACBFA-5D83-480F-8081-765EA8387389}"/>
+              </a:ext>
+            </a:extLst>
+          </p:cNvPr>
+          <p:cNvSpPr txBox="1"/>
+          <p:nvPr/>
+        </p:nvSpPr>
+        <p:spPr>
+          <a:xfrm>
+            <a:off x="6676008" y="406552"/>
+            <a:ext cx="2769833" cy="923330"/>
+          </a:xfrm>
+          <a:prstGeom prst="rect">
+            <a:avLst/>
+          </a:prstGeom>
+          <a:noFill/>
+        </p:spPr>
+        <p:txBody>
+          <a:bodyPr wrap="square" rtlCol="0">
+            <a:spAutoFit/>
+          </a:bodyPr>
+          <a:lstStyle/>
+          <a:p>
+            <a:r>
+              <a:rPr lang="en-US" dirty="0">
+                <a:solidFill>
+                  <a:srgbClr val="FF0000"/>
+                </a:solidFill>
+              </a:rPr>
+              <a:t>review this to make sure it flows well and makes some sense</a:t>
+            </a:r>
           </a:p>
         </p:txBody>
       </p:sp>
@@ -4010,7 +4190,7 @@
           <p:cNvPr id="2" name="Title 1">
             <a:extLst>
               <a:ext uri="{FF2B5EF4-FFF2-40B4-BE49-F238E27FC236}">
-                <a16:creationId xmlns:a16="http://schemas.microsoft.com/office/drawing/2014/main" id="{7357DE6C-1AAE-44A7-8086-D4D1C3B78255}"/>
+                <a16:creationId xmlns:a16="http://schemas.microsoft.com/office/drawing/2014/main" id="{EB531D75-2FC0-48D4-B539-33DB65C7FB24}"/>
               </a:ext>
             </a:extLst>
           </p:cNvPr>
@@ -4027,8 +4207,8 @@
           <a:lstStyle/>
           <a:p>
             <a:r>
-              <a:rPr lang="en-US"/>
-              <a:t>Software—Dependencies </a:t>
+              <a:rPr lang="en-US" dirty="0"/>
+              <a:t>Software—Optimization Details</a:t>
             </a:r>
           </a:p>
         </p:txBody>
@@ -4038,7 +4218,7 @@
           <p:cNvPr id="3" name="Content Placeholder 2">
             <a:extLst>
               <a:ext uri="{FF2B5EF4-FFF2-40B4-BE49-F238E27FC236}">
-                <a16:creationId xmlns:a16="http://schemas.microsoft.com/office/drawing/2014/main" id="{2B049D42-2B44-4F55-84CA-2720B5B2730E}"/>
+                <a16:creationId xmlns:a16="http://schemas.microsoft.com/office/drawing/2014/main" id="{641E0D7B-6705-4412-8A50-022B103DC411}"/>
               </a:ext>
             </a:extLst>
           </p:cNvPr>
@@ -4056,10 +4236,41 @@
           <a:p>
             <a:r>
               <a:rPr lang="en-US" dirty="0"/>
-              <a:t>Packages required</a:t>
-            </a:r>
-          </a:p>
-          <a:p>
+              <a:t>Single variable optimization.</a:t>
+            </a:r>
+          </a:p>
+          <a:p>
+            <a:pPr lvl="1"/>
+            <a:r>
+              <a:rPr lang="en-US" dirty="0"/>
+              <a:t>Design variable:  Secondary air flow rate</a:t>
+            </a:r>
+          </a:p>
+          <a:p>
+            <a:pPr lvl="1"/>
+            <a:r>
+              <a:rPr lang="en-US" dirty="0"/>
+              <a:t>Objective function: Average cookpot temperature</a:t>
+            </a:r>
+          </a:p>
+          <a:p>
+            <a:pPr lvl="1"/>
+            <a:r>
+              <a:rPr lang="en-US" dirty="0"/>
+              <a:t>Direct method: only using objective function values to guide search</a:t>
+            </a:r>
+          </a:p>
+          <a:p>
+            <a:pPr lvl="1"/>
+            <a:r>
+              <a:rPr lang="en-US" dirty="0"/>
+              <a:t>Closest algorithm called “exhaustive search method”</a:t>
+            </a:r>
+          </a:p>
+          <a:p>
+            <a:pPr marL="201168" lvl="1" indent="0">
+              <a:buNone/>
+            </a:pPr>
             <a:endParaRPr lang="en-US" dirty="0"/>
           </a:p>
         </p:txBody>
@@ -4067,7 +4278,7 @@
     </p:spTree>
     <p:extLst>
       <p:ext uri="{BB962C8B-B14F-4D97-AF65-F5344CB8AC3E}">
-        <p14:creationId xmlns:p14="http://schemas.microsoft.com/office/powerpoint/2010/main" val="1510055805"/>
+        <p14:creationId xmlns:p14="http://schemas.microsoft.com/office/powerpoint/2010/main" val="2249164064"/>
       </p:ext>
     </p:extLst>
   </p:cSld>
@@ -4099,7 +4310,7 @@
           <p:cNvPr id="2" name="Title 1">
             <a:extLst>
               <a:ext uri="{FF2B5EF4-FFF2-40B4-BE49-F238E27FC236}">
-                <a16:creationId xmlns:a16="http://schemas.microsoft.com/office/drawing/2014/main" id="{7528BA64-0BFB-4312-95D4-9805DEDB4E6C}"/>
+                <a16:creationId xmlns:a16="http://schemas.microsoft.com/office/drawing/2014/main" id="{9D815D3B-06B8-4A20-B962-A1BD8C068BF2}"/>
               </a:ext>
             </a:extLst>
           </p:cNvPr>
@@ -4117,7 +4328,7 @@
           <a:p>
             <a:r>
               <a:rPr lang="en-US" dirty="0"/>
-              <a:t>Preliminary Results</a:t>
+              <a:t>Software—Optimization Example</a:t>
             </a:r>
           </a:p>
         </p:txBody>
@@ -4127,7 +4338,7 @@
           <p:cNvPr id="3" name="Content Placeholder 2">
             <a:extLst>
               <a:ext uri="{FF2B5EF4-FFF2-40B4-BE49-F238E27FC236}">
-                <a16:creationId xmlns:a16="http://schemas.microsoft.com/office/drawing/2014/main" id="{667AB353-C1CB-43AF-8FA0-0BF7BAF7AA1D}"/>
+                <a16:creationId xmlns:a16="http://schemas.microsoft.com/office/drawing/2014/main" id="{546426C5-FA15-496C-BB27-5E18BA948EEA}"/>
               </a:ext>
             </a:extLst>
           </p:cNvPr>
@@ -4143,14 +4354,24 @@
           <a:bodyPr/>
           <a:lstStyle/>
           <a:p>
-            <a:endParaRPr lang="en-US"/>
+            <a:r>
+              <a:rPr lang="en-US" dirty="0"/>
+              <a:t>--LC make a little excel sheet to compute values of a function with known amplitude/frequency relationship </a:t>
+            </a:r>
+          </a:p>
+          <a:p>
+            <a:pPr lvl="1"/>
+            <a:r>
+              <a:rPr lang="en-US" dirty="0"/>
+              <a:t>---maybe just use a random Gaussian bell curve for a simple example</a:t>
+            </a:r>
           </a:p>
         </p:txBody>
       </p:sp>
     </p:spTree>
     <p:extLst>
       <p:ext uri="{BB962C8B-B14F-4D97-AF65-F5344CB8AC3E}">
-        <p14:creationId xmlns:p14="http://schemas.microsoft.com/office/powerpoint/2010/main" val="3135827123"/>
+        <p14:creationId xmlns:p14="http://schemas.microsoft.com/office/powerpoint/2010/main" val="2621436757"/>
       </p:ext>
     </p:extLst>
   </p:cSld>
@@ -4182,7 +4403,7 @@
           <p:cNvPr id="2" name="Title 1">
             <a:extLst>
               <a:ext uri="{FF2B5EF4-FFF2-40B4-BE49-F238E27FC236}">
-                <a16:creationId xmlns:a16="http://schemas.microsoft.com/office/drawing/2014/main" id="{119F2C21-AA95-49E5-96B0-687FC3EB9FB0}"/>
+                <a16:creationId xmlns:a16="http://schemas.microsoft.com/office/drawing/2014/main" id="{7528BA64-0BFB-4312-95D4-9805DEDB4E6C}"/>
               </a:ext>
             </a:extLst>
           </p:cNvPr>
@@ -4200,7 +4421,7 @@
           <a:p>
             <a:r>
               <a:rPr lang="en-US" dirty="0"/>
-              <a:t>Conclusions</a:t>
+              <a:t>Preliminary Results</a:t>
             </a:r>
           </a:p>
         </p:txBody>
@@ -4210,7 +4431,7 @@
           <p:cNvPr id="3" name="Content Placeholder 2">
             <a:extLst>
               <a:ext uri="{FF2B5EF4-FFF2-40B4-BE49-F238E27FC236}">
-                <a16:creationId xmlns:a16="http://schemas.microsoft.com/office/drawing/2014/main" id="{A8ED1FF8-5618-4762-9DB8-588FC084E9AC}"/>
+                <a16:creationId xmlns:a16="http://schemas.microsoft.com/office/drawing/2014/main" id="{667AB353-C1CB-43AF-8FA0-0BF7BAF7AA1D}"/>
               </a:ext>
             </a:extLst>
           </p:cNvPr>
@@ -4226,14 +4447,17 @@
           <a:bodyPr/>
           <a:lstStyle/>
           <a:p>
-            <a:endParaRPr lang="en-US"/>
+            <a:r>
+              <a:rPr lang="en-US" dirty="0"/>
+              <a:t>Flow Input:  </a:t>
+            </a:r>
           </a:p>
         </p:txBody>
       </p:sp>
     </p:spTree>
     <p:extLst>
       <p:ext uri="{BB962C8B-B14F-4D97-AF65-F5344CB8AC3E}">
-        <p14:creationId xmlns:p14="http://schemas.microsoft.com/office/powerpoint/2010/main" val="3396930237"/>
+        <p14:creationId xmlns:p14="http://schemas.microsoft.com/office/powerpoint/2010/main" val="3135827123"/>
       </p:ext>
     </p:extLst>
   </p:cSld>
@@ -4265,7 +4489,7 @@
           <p:cNvPr id="2" name="Title 1">
             <a:extLst>
               <a:ext uri="{FF2B5EF4-FFF2-40B4-BE49-F238E27FC236}">
-                <a16:creationId xmlns:a16="http://schemas.microsoft.com/office/drawing/2014/main" id="{085D006A-CA46-4FE6-85AE-BABF350EDE7C}"/>
+                <a16:creationId xmlns:a16="http://schemas.microsoft.com/office/drawing/2014/main" id="{119F2C21-AA95-49E5-96B0-687FC3EB9FB0}"/>
               </a:ext>
             </a:extLst>
           </p:cNvPr>
@@ -4283,7 +4507,7 @@
           <a:p>
             <a:r>
               <a:rPr lang="en-US" dirty="0"/>
-              <a:t>Future Work</a:t>
+              <a:t>Conclusions</a:t>
             </a:r>
           </a:p>
         </p:txBody>
@@ -4293,7 +4517,7 @@
           <p:cNvPr id="3" name="Content Placeholder 2">
             <a:extLst>
               <a:ext uri="{FF2B5EF4-FFF2-40B4-BE49-F238E27FC236}">
-                <a16:creationId xmlns:a16="http://schemas.microsoft.com/office/drawing/2014/main" id="{705A62D6-39CE-420C-BEC2-59D171AA823B}"/>
+                <a16:creationId xmlns:a16="http://schemas.microsoft.com/office/drawing/2014/main" id="{A8ED1FF8-5618-4762-9DB8-588FC084E9AC}"/>
               </a:ext>
             </a:extLst>
           </p:cNvPr>
@@ -4309,69 +4533,14 @@
           <a:bodyPr/>
           <a:lstStyle/>
           <a:p>
-            <a:r>
-              <a:rPr lang="en-US" dirty="0"/>
-              <a:t>Reduce Runtime:</a:t>
-            </a:r>
-          </a:p>
-          <a:p>
-            <a:pPr lvl="1"/>
-            <a:r>
-              <a:rPr lang="en-US" dirty="0"/>
-              <a:t>Convert CFD to Axisymmetric</a:t>
-            </a:r>
-          </a:p>
-          <a:p>
-            <a:pPr lvl="1"/>
-            <a:r>
-              <a:rPr lang="en-US" dirty="0"/>
-              <a:t>Parallelize simulations</a:t>
-            </a:r>
-          </a:p>
-          <a:p>
-            <a:pPr lvl="1"/>
-            <a:r>
-              <a:rPr lang="en-US" dirty="0"/>
-              <a:t>Auto-runner</a:t>
-            </a:r>
-          </a:p>
-          <a:p>
-            <a:r>
-              <a:rPr lang="en-US" dirty="0"/>
-              <a:t>Improve Optimization Algorithm:</a:t>
-            </a:r>
-          </a:p>
-          <a:p>
-            <a:endParaRPr lang="en-US" dirty="0"/>
-          </a:p>
-          <a:p>
-            <a:r>
-              <a:rPr lang="en-US" dirty="0"/>
-              <a:t>Improve User Friendliness:</a:t>
-            </a:r>
-          </a:p>
-          <a:p>
-            <a:endParaRPr lang="en-US" dirty="0"/>
-          </a:p>
-          <a:p>
-            <a:r>
-              <a:rPr lang="en-US" dirty="0"/>
-              <a:t>Improve Physical Relevance:</a:t>
-            </a:r>
-          </a:p>
-          <a:p>
-            <a:endParaRPr lang="en-US" dirty="0"/>
-          </a:p>
-          <a:p>
-            <a:pPr lvl="1"/>
-            <a:endParaRPr lang="en-US" dirty="0"/>
+            <a:endParaRPr lang="en-US"/>
           </a:p>
         </p:txBody>
       </p:sp>
     </p:spTree>
     <p:extLst>
       <p:ext uri="{BB962C8B-B14F-4D97-AF65-F5344CB8AC3E}">
-        <p14:creationId xmlns:p14="http://schemas.microsoft.com/office/powerpoint/2010/main" val="2518976542"/>
+        <p14:creationId xmlns:p14="http://schemas.microsoft.com/office/powerpoint/2010/main" val="3396930237"/>
       </p:ext>
     </p:extLst>
   </p:cSld>
@@ -4403,7 +4572,7 @@
           <p:cNvPr id="2" name="Title 1">
             <a:extLst>
               <a:ext uri="{FF2B5EF4-FFF2-40B4-BE49-F238E27FC236}">
-                <a16:creationId xmlns:a16="http://schemas.microsoft.com/office/drawing/2014/main" id="{2FCD141A-57AA-4D13-931D-28DBADF86D96}"/>
+                <a16:creationId xmlns:a16="http://schemas.microsoft.com/office/drawing/2014/main" id="{085D006A-CA46-4FE6-85AE-BABF350EDE7C}"/>
               </a:ext>
             </a:extLst>
           </p:cNvPr>
@@ -4421,7 +4590,7 @@
           <a:p>
             <a:r>
               <a:rPr lang="en-US" dirty="0"/>
-              <a:t>Questions</a:t>
+              <a:t>Future Work</a:t>
             </a:r>
           </a:p>
         </p:txBody>
@@ -4431,7 +4600,7 @@
           <p:cNvPr id="3" name="Content Placeholder 2">
             <a:extLst>
               <a:ext uri="{FF2B5EF4-FFF2-40B4-BE49-F238E27FC236}">
-                <a16:creationId xmlns:a16="http://schemas.microsoft.com/office/drawing/2014/main" id="{6C042A4C-11DA-44F6-8F6F-DAE612FCD565}"/>
+                <a16:creationId xmlns:a16="http://schemas.microsoft.com/office/drawing/2014/main" id="{705A62D6-39CE-420C-BEC2-59D171AA823B}"/>
               </a:ext>
             </a:extLst>
           </p:cNvPr>
@@ -4444,17 +4613,85 @@
         </p:nvSpPr>
         <p:spPr/>
         <p:txBody>
-          <a:bodyPr/>
-          <a:lstStyle/>
-          <a:p>
-            <a:endParaRPr lang="en-US"/>
+          <a:bodyPr>
+            <a:normAutofit/>
+          </a:bodyPr>
+          <a:lstStyle/>
+          <a:p>
+            <a:r>
+              <a:rPr lang="en-US" dirty="0"/>
+              <a:t>Reduce Runtime:</a:t>
+            </a:r>
+          </a:p>
+          <a:p>
+            <a:pPr lvl="1"/>
+            <a:r>
+              <a:rPr lang="en-US" dirty="0"/>
+              <a:t>Convert CFD to Axisymmetric</a:t>
+            </a:r>
+          </a:p>
+          <a:p>
+            <a:pPr lvl="1"/>
+            <a:r>
+              <a:rPr lang="en-US" dirty="0"/>
+              <a:t>Auto-runner</a:t>
+            </a:r>
+          </a:p>
+          <a:p>
+            <a:r>
+              <a:rPr lang="en-US" dirty="0"/>
+              <a:t>Improve Optimization Algorithm:</a:t>
+            </a:r>
+          </a:p>
+          <a:p>
+            <a:pPr lvl="1"/>
+            <a:r>
+              <a:rPr lang="en-US" dirty="0"/>
+              <a:t>Multi-variable </a:t>
+            </a:r>
+          </a:p>
+          <a:p>
+            <a:pPr lvl="1"/>
+            <a:r>
+              <a:rPr lang="en-US" dirty="0"/>
+              <a:t>Gradient based methods</a:t>
+            </a:r>
+          </a:p>
+          <a:p>
+            <a:pPr lvl="1"/>
+            <a:r>
+              <a:rPr lang="en-US" dirty="0"/>
+              <a:t>Alternative methods: Genetic Algorithm</a:t>
+            </a:r>
+          </a:p>
+          <a:p>
+            <a:r>
+              <a:rPr lang="en-US" dirty="0"/>
+              <a:t>Improve User Friendliness:</a:t>
+            </a:r>
+          </a:p>
+          <a:p>
+            <a:endParaRPr lang="en-US" dirty="0"/>
+          </a:p>
+          <a:p>
+            <a:r>
+              <a:rPr lang="en-US" dirty="0"/>
+              <a:t>Improve Physical Relevance:</a:t>
+            </a:r>
+          </a:p>
+          <a:p>
+            <a:endParaRPr lang="en-US" dirty="0"/>
+          </a:p>
+          <a:p>
+            <a:pPr lvl="1"/>
+            <a:endParaRPr lang="en-US" dirty="0"/>
           </a:p>
         </p:txBody>
       </p:sp>
     </p:spTree>
     <p:extLst>
       <p:ext uri="{BB962C8B-B14F-4D97-AF65-F5344CB8AC3E}">
-        <p14:creationId xmlns:p14="http://schemas.microsoft.com/office/powerpoint/2010/main" val="3484181413"/>
+        <p14:creationId xmlns:p14="http://schemas.microsoft.com/office/powerpoint/2010/main" val="2518976542"/>
       </p:ext>
     </p:extLst>
   </p:cSld>
@@ -4486,7 +4723,7 @@
           <p:cNvPr id="2" name="Title 1">
             <a:extLst>
               <a:ext uri="{FF2B5EF4-FFF2-40B4-BE49-F238E27FC236}">
-                <a16:creationId xmlns:a16="http://schemas.microsoft.com/office/drawing/2014/main" id="{D8184967-3D6D-4515-9A5C-F1B0E0CCC3D8}"/>
+                <a16:creationId xmlns:a16="http://schemas.microsoft.com/office/drawing/2014/main" id="{2FCD141A-57AA-4D13-931D-28DBADF86D96}"/>
               </a:ext>
             </a:extLst>
           </p:cNvPr>
@@ -4504,7 +4741,7 @@
           <a:p>
             <a:r>
               <a:rPr lang="en-US" dirty="0"/>
-              <a:t>References</a:t>
+              <a:t>Questions</a:t>
             </a:r>
           </a:p>
         </p:txBody>
@@ -4514,7 +4751,7 @@
           <p:cNvPr id="3" name="Content Placeholder 2">
             <a:extLst>
               <a:ext uri="{FF2B5EF4-FFF2-40B4-BE49-F238E27FC236}">
-                <a16:creationId xmlns:a16="http://schemas.microsoft.com/office/drawing/2014/main" id="{1791B350-24A0-4A1D-B6C9-A27E8082DA24}"/>
+                <a16:creationId xmlns:a16="http://schemas.microsoft.com/office/drawing/2014/main" id="{6C042A4C-11DA-44F6-8F6F-DAE612FCD565}"/>
               </a:ext>
             </a:extLst>
           </p:cNvPr>
@@ -4530,35 +4767,14 @@
           <a:bodyPr/>
           <a:lstStyle/>
           <a:p>
-            <a:r>
-              <a:rPr lang="en-US" dirty="0"/>
-              <a:t>Department of Mechanical Engineering, Indian Institute of Technology Madras., </a:t>
-            </a:r>
-            <a:r>
-              <a:rPr lang="en-US" i="1" dirty="0"/>
-              <a:t>Optimization Algorithms</a:t>
-            </a:r>
-            <a:r>
-              <a:rPr lang="en-US" dirty="0"/>
-              <a:t>. URL: </a:t>
-            </a:r>
-            <a:r>
-              <a:rPr lang="en-US" dirty="0">
-                <a:hlinkClick r:id="rId2"/>
-              </a:rPr>
-              <a:t>https://mech.iitm.ac.in/meiitm/</a:t>
-            </a:r>
-            <a:endParaRPr lang="en-US" dirty="0"/>
-          </a:p>
-          <a:p>
-            <a:endParaRPr lang="en-US" dirty="0"/>
+            <a:endParaRPr lang="en-US"/>
           </a:p>
         </p:txBody>
       </p:sp>
     </p:spTree>
     <p:extLst>
       <p:ext uri="{BB962C8B-B14F-4D97-AF65-F5344CB8AC3E}">
-        <p14:creationId xmlns:p14="http://schemas.microsoft.com/office/powerpoint/2010/main" val="867094999"/>
+        <p14:creationId xmlns:p14="http://schemas.microsoft.com/office/powerpoint/2010/main" val="3484181413"/>
       </p:ext>
     </p:extLst>
   </p:cSld>
@@ -4590,7 +4806,7 @@
           <p:cNvPr id="2" name="Title 1">
             <a:extLst>
               <a:ext uri="{FF2B5EF4-FFF2-40B4-BE49-F238E27FC236}">
-                <a16:creationId xmlns:a16="http://schemas.microsoft.com/office/drawing/2014/main" id="{9E20D80B-3B2D-4FAA-93B0-E41708B35A19}"/>
+                <a16:creationId xmlns:a16="http://schemas.microsoft.com/office/drawing/2014/main" id="{D8184967-3D6D-4515-9A5C-F1B0E0CCC3D8}"/>
               </a:ext>
             </a:extLst>
           </p:cNvPr>
@@ -4608,7 +4824,7 @@
           <a:p>
             <a:r>
               <a:rPr lang="en-US" dirty="0"/>
-              <a:t>Appendix</a:t>
+              <a:t>References</a:t>
             </a:r>
           </a:p>
         </p:txBody>
@@ -4618,7 +4834,7 @@
           <p:cNvPr id="3" name="Content Placeholder 2">
             <a:extLst>
               <a:ext uri="{FF2B5EF4-FFF2-40B4-BE49-F238E27FC236}">
-                <a16:creationId xmlns:a16="http://schemas.microsoft.com/office/drawing/2014/main" id="{64C6B53D-7493-458E-8A2C-3ED4D7342928}"/>
+                <a16:creationId xmlns:a16="http://schemas.microsoft.com/office/drawing/2014/main" id="{1791B350-24A0-4A1D-B6C9-A27E8082DA24}"/>
               </a:ext>
             </a:extLst>
           </p:cNvPr>
@@ -4634,14 +4850,35 @@
           <a:bodyPr/>
           <a:lstStyle/>
           <a:p>
-            <a:endParaRPr lang="en-US"/>
+            <a:r>
+              <a:rPr lang="en-US" dirty="0"/>
+              <a:t>Department of Mechanical Engineering, Indian Institute of Technology Madras., </a:t>
+            </a:r>
+            <a:r>
+              <a:rPr lang="en-US" i="1" dirty="0"/>
+              <a:t>Optimization Algorithms</a:t>
+            </a:r>
+            <a:r>
+              <a:rPr lang="en-US" dirty="0"/>
+              <a:t>. URL: </a:t>
+            </a:r>
+            <a:r>
+              <a:rPr lang="en-US" dirty="0">
+                <a:hlinkClick r:id="rId2"/>
+              </a:rPr>
+              <a:t>https://mech.iitm.ac.in/meiitm/</a:t>
+            </a:r>
+            <a:endParaRPr lang="en-US" dirty="0"/>
+          </a:p>
+          <a:p>
+            <a:endParaRPr lang="en-US" dirty="0"/>
           </a:p>
         </p:txBody>
       </p:sp>
     </p:spTree>
     <p:extLst>
       <p:ext uri="{BB962C8B-B14F-4D97-AF65-F5344CB8AC3E}">
-        <p14:creationId xmlns:p14="http://schemas.microsoft.com/office/powerpoint/2010/main" val="394456700"/>
+        <p14:creationId xmlns:p14="http://schemas.microsoft.com/office/powerpoint/2010/main" val="867094999"/>
       </p:ext>
     </p:extLst>
   </p:cSld>
@@ -4689,7 +4926,10 @@
           <a:bodyPr/>
           <a:lstStyle/>
           <a:p>
-            <a:endParaRPr lang="en-US"/>
+            <a:r>
+              <a:rPr lang="en-US" dirty="0"/>
+              <a:t>Appendix</a:t>
+            </a:r>
           </a:p>
         </p:txBody>
       </p:sp>
@@ -4753,7 +4993,7 @@
           <p:cNvPr id="2" name="Title 1">
             <a:extLst>
               <a:ext uri="{FF2B5EF4-FFF2-40B4-BE49-F238E27FC236}">
-                <a16:creationId xmlns:a16="http://schemas.microsoft.com/office/drawing/2014/main" id="{675F5E64-43C2-4EA2-A152-D321568657E7}"/>
+                <a16:creationId xmlns:a16="http://schemas.microsoft.com/office/drawing/2014/main" id="{9E20D80B-3B2D-4FAA-93B0-E41708B35A19}"/>
               </a:ext>
             </a:extLst>
           </p:cNvPr>
@@ -4769,7 +5009,10 @@
           <a:bodyPr/>
           <a:lstStyle/>
           <a:p>
-            <a:endParaRPr lang="en-US"/>
+            <a:r>
+              <a:rPr lang="en-US" dirty="0"/>
+              <a:t>Appendix</a:t>
+            </a:r>
           </a:p>
         </p:txBody>
       </p:sp>
@@ -4778,7 +5021,7 @@
           <p:cNvPr id="3" name="Content Placeholder 2">
             <a:extLst>
               <a:ext uri="{FF2B5EF4-FFF2-40B4-BE49-F238E27FC236}">
-                <a16:creationId xmlns:a16="http://schemas.microsoft.com/office/drawing/2014/main" id="{F592CF6B-D356-4914-9467-8FD0C3FC2FA7}"/>
+                <a16:creationId xmlns:a16="http://schemas.microsoft.com/office/drawing/2014/main" id="{64C6B53D-7493-458E-8A2C-3ED4D7342928}"/>
               </a:ext>
             </a:extLst>
           </p:cNvPr>
@@ -4798,10 +5041,40 @@
           </a:p>
         </p:txBody>
       </p:sp>
+      <p:pic>
+        <p:nvPicPr>
+          <p:cNvPr id="4" name="Picture 3">
+            <a:extLst>
+              <a:ext uri="{FF2B5EF4-FFF2-40B4-BE49-F238E27FC236}">
+                <a16:creationId xmlns:a16="http://schemas.microsoft.com/office/drawing/2014/main" id="{5D21D4F0-F7F8-4184-AB60-C446ACB1587F}"/>
+              </a:ext>
+            </a:extLst>
+          </p:cNvPr>
+          <p:cNvPicPr>
+            <a:picLocks noChangeAspect="1"/>
+          </p:cNvPicPr>
+          <p:nvPr/>
+        </p:nvPicPr>
+        <p:blipFill>
+          <a:blip r:embed="rId2"/>
+          <a:stretch>
+            <a:fillRect/>
+          </a:stretch>
+        </p:blipFill>
+        <p:spPr>
+          <a:xfrm>
+            <a:off x="1190625" y="309562"/>
+            <a:ext cx="9810750" cy="6238875"/>
+          </a:xfrm>
+          <a:prstGeom prst="rect">
+            <a:avLst/>
+          </a:prstGeom>
+        </p:spPr>
+      </p:pic>
     </p:spTree>
     <p:extLst>
       <p:ext uri="{BB962C8B-B14F-4D97-AF65-F5344CB8AC3E}">
-        <p14:creationId xmlns:p14="http://schemas.microsoft.com/office/powerpoint/2010/main" val="2877768375"/>
+        <p14:creationId xmlns:p14="http://schemas.microsoft.com/office/powerpoint/2010/main" val="394456700"/>
       </p:ext>
     </p:extLst>
   </p:cSld>
@@ -4973,6 +5246,86 @@
           <p:cNvPr id="2" name="Title 1">
             <a:extLst>
               <a:ext uri="{FF2B5EF4-FFF2-40B4-BE49-F238E27FC236}">
+                <a16:creationId xmlns:a16="http://schemas.microsoft.com/office/drawing/2014/main" id="{675F5E64-43C2-4EA2-A152-D321568657E7}"/>
+              </a:ext>
+            </a:extLst>
+          </p:cNvPr>
+          <p:cNvSpPr>
+            <a:spLocks noGrp="1"/>
+          </p:cNvSpPr>
+          <p:nvPr>
+            <p:ph type="title"/>
+          </p:nvPr>
+        </p:nvSpPr>
+        <p:spPr/>
+        <p:txBody>
+          <a:bodyPr/>
+          <a:lstStyle/>
+          <a:p>
+            <a:endParaRPr lang="en-US"/>
+          </a:p>
+        </p:txBody>
+      </p:sp>
+      <p:sp>
+        <p:nvSpPr>
+          <p:cNvPr id="3" name="Content Placeholder 2">
+            <a:extLst>
+              <a:ext uri="{FF2B5EF4-FFF2-40B4-BE49-F238E27FC236}">
+                <a16:creationId xmlns:a16="http://schemas.microsoft.com/office/drawing/2014/main" id="{F592CF6B-D356-4914-9467-8FD0C3FC2FA7}"/>
+              </a:ext>
+            </a:extLst>
+          </p:cNvPr>
+          <p:cNvSpPr>
+            <a:spLocks noGrp="1"/>
+          </p:cNvSpPr>
+          <p:nvPr>
+            <p:ph idx="1"/>
+          </p:nvPr>
+        </p:nvSpPr>
+        <p:spPr/>
+        <p:txBody>
+          <a:bodyPr/>
+          <a:lstStyle/>
+          <a:p>
+            <a:endParaRPr lang="en-US"/>
+          </a:p>
+        </p:txBody>
+      </p:sp>
+    </p:spTree>
+    <p:extLst>
+      <p:ext uri="{BB962C8B-B14F-4D97-AF65-F5344CB8AC3E}">
+        <p14:creationId xmlns:p14="http://schemas.microsoft.com/office/powerpoint/2010/main" val="2877768375"/>
+      </p:ext>
+    </p:extLst>
+  </p:cSld>
+  <p:clrMapOvr>
+    <a:masterClrMapping/>
+  </p:clrMapOvr>
+</p:sld>
+</file>
+
+<file path=ppt/slides/slide21.xml><?xml version="1.0" encoding="utf-8"?>
+<p:sld xmlns:a="http://schemas.openxmlformats.org/drawingml/2006/main" xmlns:r="http://schemas.openxmlformats.org/officeDocument/2006/relationships" xmlns:p="http://schemas.openxmlformats.org/presentationml/2006/main">
+  <p:cSld>
+    <p:spTree>
+      <p:nvGrpSpPr>
+        <p:cNvPr id="1" name=""/>
+        <p:cNvGrpSpPr/>
+        <p:nvPr/>
+      </p:nvGrpSpPr>
+      <p:grpSpPr>
+        <a:xfrm>
+          <a:off x="0" y="0"/>
+          <a:ext cx="0" cy="0"/>
+          <a:chOff x="0" y="0"/>
+          <a:chExt cx="0" cy="0"/>
+        </a:xfrm>
+      </p:grpSpPr>
+      <p:sp>
+        <p:nvSpPr>
+          <p:cNvPr id="2" name="Title 1">
+            <a:extLst>
+              <a:ext uri="{FF2B5EF4-FFF2-40B4-BE49-F238E27FC236}">
                 <a16:creationId xmlns:a16="http://schemas.microsoft.com/office/drawing/2014/main" id="{1D2CE2A4-E1C6-4460-83C8-E3EDCDA7918E}"/>
               </a:ext>
             </a:extLst>
@@ -5071,7 +5424,7 @@
           <a:p>
             <a:r>
               <a:rPr lang="en-US" dirty="0"/>
-              <a:t>Project Motivation</a:t>
+              <a:t>Project Motivation—Global Significance</a:t>
             </a:r>
           </a:p>
         </p:txBody>
@@ -5092,35 +5445,232 @@
             <p:ph idx="1"/>
           </p:nvPr>
         </p:nvSpPr>
-        <p:spPr/>
-        <p:txBody>
-          <a:bodyPr/>
-          <a:lstStyle/>
-          <a:p>
-            <a:r>
-              <a:rPr lang="en-US" dirty="0"/>
-              <a:t>-Cookstove prevalence in countries with less resources than US</a:t>
-            </a:r>
-          </a:p>
-          <a:p>
-            <a:r>
-              <a:rPr lang="en-US" dirty="0"/>
-              <a:t>-Damaging health and environmental effects---pull this info straight from Nordica’s papers</a:t>
-            </a:r>
-          </a:p>
-          <a:p>
-            <a:r>
-              <a:rPr lang="en-US" dirty="0"/>
-              <a:t>---approach to improving cookstoves (air control etc.) from Global cookstove alliance probably</a:t>
-            </a:r>
-          </a:p>
-          <a:p>
-            <a:r>
-              <a:rPr lang="en-US" dirty="0"/>
-              <a:t>---CFD VERSUS current trial and error methods (saves time and money)</a:t>
-            </a:r>
-          </a:p>
-          <a:p>
+        <p:spPr>
+          <a:xfrm>
+            <a:off x="1097280" y="1845734"/>
+            <a:ext cx="6053328" cy="4023360"/>
+          </a:xfrm>
+        </p:spPr>
+        <p:txBody>
+          <a:bodyPr/>
+          <a:lstStyle/>
+          <a:p>
+            <a:r>
+              <a:rPr lang="en-US" b="1" dirty="0"/>
+              <a:t>Population Significance</a:t>
+            </a:r>
+            <a:r>
+              <a:rPr lang="en-US" dirty="0"/>
+              <a:t>: In 2010, over 2.4 billion rely on biomass to fuel household cooking and heating</a:t>
+            </a:r>
+            <a:r>
+              <a:rPr lang="en-US" baseline="30000" dirty="0"/>
+              <a:t>1</a:t>
+            </a:r>
+            <a:r>
+              <a:rPr lang="en-US" dirty="0"/>
+              <a:t>.</a:t>
+            </a:r>
+          </a:p>
+          <a:p>
+            <a:r>
+              <a:rPr lang="en-US" b="1" dirty="0"/>
+              <a:t>Health Significance: </a:t>
+            </a:r>
+            <a:r>
+              <a:rPr lang="en-US" dirty="0"/>
+              <a:t>Nearly 4 million premature deaths annually</a:t>
+            </a:r>
+            <a:r>
+              <a:rPr lang="en-US" baseline="30000" dirty="0"/>
+              <a:t>1</a:t>
+            </a:r>
+            <a:r>
+              <a:rPr lang="en-US" dirty="0"/>
+              <a:t>.</a:t>
+            </a:r>
+            <a:endParaRPr lang="en-US" b="1" dirty="0"/>
+          </a:p>
+          <a:p>
+            <a:r>
+              <a:rPr lang="en-US" b="1" dirty="0"/>
+              <a:t>Environmental Significance</a:t>
+            </a:r>
+            <a:r>
+              <a:rPr lang="en-US" dirty="0"/>
+              <a:t>: Black Carbon, CH</a:t>
+            </a:r>
+            <a:r>
+              <a:rPr lang="en-US" baseline="-25000" dirty="0"/>
+              <a:t>4</a:t>
+            </a:r>
+            <a:r>
+              <a:rPr lang="en-US" dirty="0"/>
+              <a:t>, CO and CO</a:t>
+            </a:r>
+            <a:r>
+              <a:rPr lang="en-US" baseline="-25000" dirty="0"/>
+              <a:t>2</a:t>
+            </a:r>
+            <a:r>
+              <a:rPr lang="en-US" dirty="0"/>
+              <a:t> emissions contribute to climate change</a:t>
+            </a:r>
+            <a:r>
+              <a:rPr lang="en-US" baseline="30000" dirty="0"/>
+              <a:t>2</a:t>
+            </a:r>
+            <a:r>
+              <a:rPr lang="en-US" dirty="0"/>
+              <a:t>.</a:t>
+            </a:r>
+          </a:p>
+          <a:p>
+            <a:endParaRPr lang="en-US" dirty="0"/>
+          </a:p>
+        </p:txBody>
+      </p:sp>
+      <p:sp>
+        <p:nvSpPr>
+          <p:cNvPr id="4" name="TextBox 3"/>
+          <p:cNvSpPr txBox="1"/>
+          <p:nvPr/>
+        </p:nvSpPr>
+        <p:spPr>
+          <a:xfrm>
+            <a:off x="987552" y="5559552"/>
+            <a:ext cx="9619488" cy="461665"/>
+          </a:xfrm>
+          <a:prstGeom prst="rect">
+            <a:avLst/>
+          </a:prstGeom>
+          <a:noFill/>
+        </p:spPr>
+        <p:txBody>
+          <a:bodyPr wrap="square" rtlCol="0">
+            <a:spAutoFit/>
+          </a:bodyPr>
+          <a:lstStyle/>
+          <a:p>
+            <a:r>
+              <a:rPr lang="en-US" sz="1200" dirty="0"/>
+              <a:t>[1] </a:t>
+            </a:r>
+            <a:r>
+              <a:rPr lang="en-US" sz="1200" dirty="0" err="1"/>
+              <a:t>MacCarty</a:t>
+            </a:r>
+            <a:r>
+              <a:rPr lang="en-US" sz="1200" dirty="0"/>
+              <a:t>, N., </a:t>
+            </a:r>
+            <a:r>
+              <a:rPr lang="en-US" sz="1200" dirty="0" err="1"/>
+              <a:t>Bryden</a:t>
+            </a:r>
+            <a:r>
+              <a:rPr lang="en-US" sz="1200" dirty="0"/>
+              <a:t>, K., Modeling of household Biomass </a:t>
+            </a:r>
+            <a:r>
+              <a:rPr lang="en-US" sz="1200" dirty="0" err="1"/>
+              <a:t>cookstoves</a:t>
+            </a:r>
+            <a:r>
+              <a:rPr lang="en-US" sz="1200" dirty="0"/>
+              <a:t>: A review. June 2015</a:t>
+            </a:r>
+          </a:p>
+          <a:p>
+            <a:r>
+              <a:rPr lang="en-US" sz="1200" dirty="0"/>
+              <a:t>[2] </a:t>
+            </a:r>
+            <a:r>
+              <a:rPr lang="en-US" sz="1200" dirty="0">
+                <a:hlinkClick r:id="rId2"/>
+              </a:rPr>
+              <a:t>Clean Cooking Alliance, Climate and Environment</a:t>
+            </a:r>
+            <a:r>
+              <a:rPr lang="en-US" sz="1200" dirty="0"/>
+              <a:t>, 2018. </a:t>
+            </a:r>
+          </a:p>
+        </p:txBody>
+      </p:sp>
+      <p:pic>
+        <p:nvPicPr>
+          <p:cNvPr id="1026" name="Picture 2" descr="Image result for biomass cookstove smoke"/>
+          <p:cNvPicPr>
+            <a:picLocks noChangeAspect="1" noChangeArrowheads="1"/>
+          </p:cNvPicPr>
+          <p:nvPr/>
+        </p:nvPicPr>
+        <p:blipFill>
+          <a:blip r:embed="rId3">
+            <a:extLst>
+              <a:ext uri="{28A0092B-C50C-407E-A947-70E740481C1C}">
+                <a14:useLocalDpi xmlns:a14="http://schemas.microsoft.com/office/drawing/2010/main" val="0"/>
+              </a:ext>
+            </a:extLst>
+          </a:blip>
+          <a:srcRect/>
+          <a:stretch>
+            <a:fillRect/>
+          </a:stretch>
+        </p:blipFill>
+        <p:spPr bwMode="auto">
+          <a:xfrm>
+            <a:off x="7488936" y="1845734"/>
+            <a:ext cx="3747262" cy="2646118"/>
+          </a:xfrm>
+          <a:prstGeom prst="rect">
+            <a:avLst/>
+          </a:prstGeom>
+          <a:noFill/>
+          <a:extLst>
+            <a:ext uri="{909E8E84-426E-40DD-AFC4-6F175D3DCCD1}">
+              <a14:hiddenFill xmlns:a14="http://schemas.microsoft.com/office/drawing/2010/main">
+                <a:solidFill>
+                  <a:srgbClr val="FFFFFF"/>
+                </a:solidFill>
+              </a14:hiddenFill>
+            </a:ext>
+          </a:extLst>
+        </p:spPr>
+      </p:pic>
+      <p:sp>
+        <p:nvSpPr>
+          <p:cNvPr id="5" name="TextBox 4"/>
+          <p:cNvSpPr txBox="1"/>
+          <p:nvPr/>
+        </p:nvSpPr>
+        <p:spPr>
+          <a:xfrm>
+            <a:off x="7488936" y="4608576"/>
+            <a:ext cx="3747262" cy="369332"/>
+          </a:xfrm>
+          <a:prstGeom prst="rect">
+            <a:avLst/>
+          </a:prstGeom>
+          <a:noFill/>
+        </p:spPr>
+        <p:txBody>
+          <a:bodyPr wrap="square" rtlCol="0">
+            <a:spAutoFit/>
+          </a:bodyPr>
+          <a:lstStyle/>
+          <a:p>
+            <a:pPr algn="ctr"/>
+            <a:r>
+              <a:rPr lang="en-US" dirty="0"/>
+              <a:t>Indoor Air Pollution</a:t>
+            </a:r>
+            <a:r>
+              <a:rPr lang="en-US" baseline="30000" dirty="0"/>
+              <a:t>2</a:t>
+            </a:r>
             <a:endParaRPr lang="en-US" dirty="0"/>
           </a:p>
         </p:txBody>
@@ -5157,13 +5707,7 @@
       </p:grpSpPr>
       <p:sp>
         <p:nvSpPr>
-          <p:cNvPr id="2" name="Title 1">
-            <a:extLst>
-              <a:ext uri="{FF2B5EF4-FFF2-40B4-BE49-F238E27FC236}">
-                <a16:creationId xmlns:a16="http://schemas.microsoft.com/office/drawing/2014/main" id="{67D3152F-7DFA-4A4C-9369-D501BCF6E8D3}"/>
-              </a:ext>
-            </a:extLst>
-          </p:cNvPr>
+          <p:cNvPr id="2" name="Title 1"/>
           <p:cNvSpPr>
             <a:spLocks noGrp="1"/>
           </p:cNvSpPr>
@@ -5171,27 +5715,34 @@
             <p:ph type="title"/>
           </p:nvPr>
         </p:nvSpPr>
-        <p:spPr/>
-        <p:txBody>
-          <a:bodyPr/>
-          <a:lstStyle/>
-          <a:p>
-            <a:r>
-              <a:rPr lang="en-US" dirty="0"/>
-              <a:t>Background</a:t>
-            </a:r>
-          </a:p>
-        </p:txBody>
-      </p:sp>
-      <p:sp>
-        <p:nvSpPr>
-          <p:cNvPr id="3" name="Content Placeholder 2">
-            <a:extLst>
-              <a:ext uri="{FF2B5EF4-FFF2-40B4-BE49-F238E27FC236}">
-                <a16:creationId xmlns:a16="http://schemas.microsoft.com/office/drawing/2014/main" id="{3A7A2621-DE7E-4067-8A38-838A886BF029}"/>
-              </a:ext>
-            </a:extLst>
-          </p:cNvPr>
+        <p:spPr>
+          <a:xfrm>
+            <a:off x="1097280" y="826099"/>
+            <a:ext cx="10058400" cy="1450757"/>
+          </a:xfrm>
+        </p:spPr>
+        <p:txBody>
+          <a:bodyPr/>
+          <a:lstStyle/>
+          <a:p>
+            <a:r>
+              <a:rPr lang="en-US" dirty="0"/>
+              <a:t>Project Motivation—</a:t>
+            </a:r>
+            <a:r>
+              <a:rPr lang="en-US" dirty="0" err="1"/>
+              <a:t>Cookstove</a:t>
+            </a:r>
+            <a:r>
+              <a:rPr lang="en-US" dirty="0"/>
+              <a:t> Industry	</a:t>
+            </a:r>
+          </a:p>
+        </p:txBody>
+      </p:sp>
+      <p:sp>
+        <p:nvSpPr>
+          <p:cNvPr id="3" name="Content Placeholder 2"/>
           <p:cNvSpPr>
             <a:spLocks noGrp="1"/>
           </p:cNvSpPr>
@@ -5199,71 +5750,161 @@
             <p:ph idx="1"/>
           </p:nvPr>
         </p:nvSpPr>
-        <p:spPr/>
-        <p:txBody>
-          <a:bodyPr/>
-          <a:lstStyle/>
-          <a:p>
-            <a:r>
-              <a:rPr lang="en-US" dirty="0"/>
-              <a:t>-Existing CFD modelling efforts:</a:t>
+        <p:spPr>
+          <a:xfrm>
+            <a:off x="1097280" y="1845734"/>
+            <a:ext cx="5413248" cy="4023360"/>
+          </a:xfrm>
+        </p:spPr>
+        <p:txBody>
+          <a:bodyPr/>
+          <a:lstStyle/>
+          <a:p>
+            <a:r>
+              <a:rPr lang="en-US" b="1" dirty="0"/>
+              <a:t>Current Goals</a:t>
+            </a:r>
+            <a:r>
+              <a:rPr lang="en-US" dirty="0"/>
+              <a:t>: Design affordable cleaner burning </a:t>
+            </a:r>
+            <a:r>
+              <a:rPr lang="en-US" dirty="0" err="1"/>
+              <a:t>cookstoves</a:t>
+            </a:r>
+            <a:endParaRPr lang="en-US" dirty="0"/>
+          </a:p>
+          <a:p>
+            <a:r>
+              <a:rPr lang="en-US" b="1" dirty="0"/>
+              <a:t>Current Methods</a:t>
+            </a:r>
+            <a:r>
+              <a:rPr lang="en-US" dirty="0"/>
+              <a:t>: Mostly experimental</a:t>
             </a:r>
           </a:p>
           <a:p>
             <a:pPr lvl="1"/>
             <a:r>
-              <a:rPr lang="en-US" dirty="0"/>
-              <a:t>-highlight the single stove modelling aspect for sure</a:t>
+              <a:rPr lang="en-US" b="1" dirty="0"/>
+              <a:t>Problems</a:t>
+            </a:r>
+            <a:r>
+              <a:rPr lang="en-US" dirty="0"/>
+              <a:t>: time consuming, expensive, limited impact.  </a:t>
             </a:r>
           </a:p>
           <a:p>
             <a:pPr lvl="1"/>
             <a:r>
-              <a:rPr lang="en-US" dirty="0"/>
-              <a:t>Baldwin, miller </a:t>
-            </a:r>
-            <a:r>
-              <a:rPr lang="en-US" dirty="0" err="1"/>
-              <a:t>loinberg</a:t>
-            </a:r>
-            <a:r>
-              <a:rPr lang="en-US" dirty="0"/>
-              <a:t>, UW articles</a:t>
-            </a:r>
-          </a:p>
-          <a:p>
-            <a:r>
-              <a:rPr lang="en-US" dirty="0"/>
-              <a:t>---General results</a:t>
-            </a:r>
-          </a:p>
-          <a:p>
-            <a:r>
-              <a:rPr lang="en-US" dirty="0"/>
-              <a:t>-Existing forced draft </a:t>
-            </a:r>
-            <a:r>
-              <a:rPr lang="en-US" dirty="0" err="1"/>
-              <a:t>CFD</a:t>
-            </a:r>
-            <a:r>
-              <a:rPr lang="en-US" dirty="0" err="1">
-                <a:sym typeface="Wingdings" panose="05000000000000000000" pitchFamily="2" charset="2"/>
-              </a:rPr>
-              <a:t>are</a:t>
-            </a:r>
-            <a:r>
-              <a:rPr lang="en-US" dirty="0">
-                <a:sym typeface="Wingdings" panose="05000000000000000000" pitchFamily="2" charset="2"/>
-              </a:rPr>
-              <a:t> there any?</a:t>
-            </a:r>
+              <a:rPr lang="en-US" b="1" dirty="0"/>
+              <a:t>Solution</a:t>
+            </a:r>
+            <a:r>
+              <a:rPr lang="en-US" dirty="0"/>
+              <a:t>: Computational modelling</a:t>
+            </a:r>
+          </a:p>
+          <a:p>
+            <a:pPr marL="201168" lvl="1" indent="0">
+              <a:buNone/>
+            </a:pPr>
             <a:endParaRPr lang="en-US" dirty="0"/>
           </a:p>
-          <a:p>
-            <a:r>
-              <a:rPr lang="en-US" dirty="0"/>
-              <a:t>-</a:t>
+        </p:txBody>
+      </p:sp>
+      <p:pic>
+        <p:nvPicPr>
+          <p:cNvPr id="7" name="Picture 6"/>
+          <p:cNvPicPr>
+            <a:picLocks noChangeAspect="1"/>
+          </p:cNvPicPr>
+          <p:nvPr/>
+        </p:nvPicPr>
+        <p:blipFill>
+          <a:blip r:embed="rId2"/>
+          <a:stretch>
+            <a:fillRect/>
+          </a:stretch>
+        </p:blipFill>
+        <p:spPr>
+          <a:xfrm>
+            <a:off x="7905034" y="1845734"/>
+            <a:ext cx="2614376" cy="3565372"/>
+          </a:xfrm>
+          <a:prstGeom prst="rect">
+            <a:avLst/>
+          </a:prstGeom>
+        </p:spPr>
+      </p:pic>
+      <p:sp>
+        <p:nvSpPr>
+          <p:cNvPr id="8" name="TextBox 7"/>
+          <p:cNvSpPr txBox="1"/>
+          <p:nvPr/>
+        </p:nvSpPr>
+        <p:spPr>
+          <a:xfrm>
+            <a:off x="7905034" y="5550408"/>
+            <a:ext cx="2614376" cy="369332"/>
+          </a:xfrm>
+          <a:prstGeom prst="rect">
+            <a:avLst/>
+          </a:prstGeom>
+          <a:noFill/>
+        </p:spPr>
+        <p:txBody>
+          <a:bodyPr wrap="square" rtlCol="0">
+            <a:spAutoFit/>
+          </a:bodyPr>
+          <a:lstStyle/>
+          <a:p>
+            <a:r>
+              <a:rPr lang="en-US" dirty="0"/>
+              <a:t>Instrumented Cookstove</a:t>
+            </a:r>
+            <a:r>
+              <a:rPr lang="en-US" baseline="30000" dirty="0"/>
+              <a:t>3</a:t>
+            </a:r>
+            <a:endParaRPr lang="en-US" dirty="0"/>
+          </a:p>
+        </p:txBody>
+      </p:sp>
+      <p:sp>
+        <p:nvSpPr>
+          <p:cNvPr id="9" name="TextBox 8"/>
+          <p:cNvSpPr txBox="1"/>
+          <p:nvPr/>
+        </p:nvSpPr>
+        <p:spPr>
+          <a:xfrm>
+            <a:off x="813816" y="5919740"/>
+            <a:ext cx="5696712" cy="276999"/>
+          </a:xfrm>
+          <a:prstGeom prst="rect">
+            <a:avLst/>
+          </a:prstGeom>
+          <a:noFill/>
+        </p:spPr>
+        <p:txBody>
+          <a:bodyPr wrap="square" rtlCol="0">
+            <a:spAutoFit/>
+          </a:bodyPr>
+          <a:lstStyle/>
+          <a:p>
+            <a:r>
+              <a:rPr lang="en-US" sz="1200" dirty="0"/>
+              <a:t>[3] Erin </a:t>
+            </a:r>
+            <a:r>
+              <a:rPr lang="en-US" sz="1200" dirty="0" err="1"/>
+              <a:t>Pfieffer</a:t>
+            </a:r>
+            <a:r>
+              <a:rPr lang="en-US" sz="1200" dirty="0"/>
+              <a:t>, Oregon State University, 2018</a:t>
             </a:r>
           </a:p>
         </p:txBody>
@@ -5271,7 +5912,7 @@
     </p:spTree>
     <p:extLst>
       <p:ext uri="{BB962C8B-B14F-4D97-AF65-F5344CB8AC3E}">
-        <p14:creationId xmlns:p14="http://schemas.microsoft.com/office/powerpoint/2010/main" val="1057589100"/>
+        <p14:creationId xmlns:p14="http://schemas.microsoft.com/office/powerpoint/2010/main" val="89733313"/>
       </p:ext>
     </p:extLst>
   </p:cSld>
@@ -5303,7 +5944,7 @@
           <p:cNvPr id="2" name="Title 1">
             <a:extLst>
               <a:ext uri="{FF2B5EF4-FFF2-40B4-BE49-F238E27FC236}">
-                <a16:creationId xmlns:a16="http://schemas.microsoft.com/office/drawing/2014/main" id="{5A54E72F-0E66-4C08-A6AD-D63030864C9D}"/>
+                <a16:creationId xmlns:a16="http://schemas.microsoft.com/office/drawing/2014/main" id="{67D3152F-7DFA-4A4C-9369-D501BCF6E8D3}"/>
               </a:ext>
             </a:extLst>
           </p:cNvPr>
@@ -5321,7 +5962,7 @@
           <a:p>
             <a:r>
               <a:rPr lang="en-US" dirty="0"/>
-              <a:t>Research Gap</a:t>
+              <a:t>Background</a:t>
             </a:r>
           </a:p>
         </p:txBody>
@@ -5331,7 +5972,7 @@
           <p:cNvPr id="3" name="Content Placeholder 2">
             <a:extLst>
               <a:ext uri="{FF2B5EF4-FFF2-40B4-BE49-F238E27FC236}">
-                <a16:creationId xmlns:a16="http://schemas.microsoft.com/office/drawing/2014/main" id="{991C8EDB-22F0-4E0C-9967-57225F15FEA2}"/>
+                <a16:creationId xmlns:a16="http://schemas.microsoft.com/office/drawing/2014/main" id="{3A7A2621-DE7E-4067-8A38-838A886BF029}"/>
               </a:ext>
             </a:extLst>
           </p:cNvPr>
@@ -5342,35 +5983,184 @@
             <p:ph idx="1"/>
           </p:nvPr>
         </p:nvSpPr>
-        <p:spPr/>
-        <p:txBody>
-          <a:bodyPr/>
-          <a:lstStyle/>
-          <a:p>
-            <a:r>
-              <a:rPr lang="en-US" dirty="0"/>
-              <a:t>-Standalone CFDs don’t resolve the disconnect between cookstove designers and academics</a:t>
-            </a:r>
-          </a:p>
-          <a:p>
-            <a:r>
-              <a:rPr lang="en-US" dirty="0"/>
-              <a:t>-Providing user friendly CFD-coupled tool for cookstove designers could inform design decisions and save experimental efforts, time, and $</a:t>
-            </a:r>
-          </a:p>
-          <a:p>
-            <a:r>
-              <a:rPr lang="en-US" dirty="0"/>
-              <a:t>-Simulations can be run for any geometry, taking care of the problems with single geometry CFD models</a:t>
-            </a:r>
-          </a:p>
-          <a:p>
+        <p:spPr>
+          <a:xfrm>
+            <a:off x="1097280" y="1845734"/>
+            <a:ext cx="5440680" cy="4023360"/>
+          </a:xfrm>
+        </p:spPr>
+        <p:txBody>
+          <a:bodyPr/>
+          <a:lstStyle/>
+          <a:p>
+            <a:r>
+              <a:rPr lang="en-US" b="1" dirty="0"/>
+              <a:t>Existing CFD modelling</a:t>
+            </a:r>
+            <a:r>
+              <a:rPr lang="en-US" dirty="0"/>
+              <a:t>:</a:t>
+            </a:r>
+          </a:p>
+          <a:p>
+            <a:pPr lvl="1"/>
+            <a:r>
+              <a:rPr lang="en-US" dirty="0"/>
+              <a:t>Posner et al. Steady State, 2D, forced draft CFD model of single cookstove geometry</a:t>
+            </a:r>
+            <a:r>
+              <a:rPr lang="en-US" baseline="30000" dirty="0"/>
+              <a:t>4</a:t>
+            </a:r>
+            <a:r>
+              <a:rPr lang="en-US" dirty="0"/>
+              <a:t>.</a:t>
+            </a:r>
+          </a:p>
+          <a:p>
+            <a:pPr lvl="2"/>
             <a:endParaRPr lang="en-US" dirty="0"/>
           </a:p>
           <a:p>
-            <a:pPr marL="0" indent="0">
-              <a:buNone/>
-            </a:pPr>
+            <a:pPr lvl="1"/>
+            <a:r>
+              <a:rPr lang="en-US" dirty="0"/>
+              <a:t>Miller-</a:t>
+            </a:r>
+            <a:r>
+              <a:rPr lang="en-US" dirty="0" err="1"/>
+              <a:t>Loinberg</a:t>
+            </a:r>
+            <a:r>
+              <a:rPr lang="en-US" dirty="0"/>
+              <a:t> fine resolution transient, 3D, natural draft CFD model of single cookstove geometry</a:t>
+            </a:r>
+            <a:r>
+              <a:rPr lang="en-US" baseline="30000" dirty="0"/>
+              <a:t>5</a:t>
+            </a:r>
+            <a:r>
+              <a:rPr lang="en-US" dirty="0"/>
+              <a:t>.</a:t>
+            </a:r>
+          </a:p>
+          <a:p>
+            <a:pPr lvl="1"/>
+            <a:endParaRPr lang="en-US" dirty="0"/>
+          </a:p>
+          <a:p>
+            <a:endParaRPr lang="en-US" dirty="0"/>
+          </a:p>
+        </p:txBody>
+      </p:sp>
+      <p:sp>
+        <p:nvSpPr>
+          <p:cNvPr id="4" name="TextBox 3"/>
+          <p:cNvSpPr txBox="1"/>
+          <p:nvPr/>
+        </p:nvSpPr>
+        <p:spPr>
+          <a:xfrm>
+            <a:off x="813816" y="5453595"/>
+            <a:ext cx="10341864" cy="830997"/>
+          </a:xfrm>
+          <a:prstGeom prst="rect">
+            <a:avLst/>
+          </a:prstGeom>
+          <a:noFill/>
+        </p:spPr>
+        <p:txBody>
+          <a:bodyPr wrap="square" rtlCol="0">
+            <a:spAutoFit/>
+          </a:bodyPr>
+          <a:lstStyle/>
+          <a:p>
+            <a:r>
+              <a:rPr lang="en-US" sz="1200" dirty="0"/>
+              <a:t>[4] Posner, Jonathon D., Multidisciplinary Design of an Innovative Natural Draft, Forced Diffusion Cookstove for Woody and Herbaceous Biomass Fuels in East Africa., University of Washington, September 2018.</a:t>
+            </a:r>
+          </a:p>
+          <a:p>
+            <a:endParaRPr lang="en-US" sz="1200" dirty="0"/>
+          </a:p>
+          <a:p>
+            <a:r>
+              <a:rPr lang="en-US" sz="1200" dirty="0"/>
+              <a:t>[5] Miller-</a:t>
+            </a:r>
+            <a:r>
+              <a:rPr lang="en-US" sz="1200" dirty="0" err="1"/>
+              <a:t>Loinberg</a:t>
+            </a:r>
+            <a:r>
+              <a:rPr lang="en-US" sz="1200" dirty="0"/>
+              <a:t>, D., A Fine Resolution CFD Simulation Approach for Biomass Cook </a:t>
+            </a:r>
+            <a:r>
+              <a:rPr lang="en-US" sz="1200" dirty="0" err="1"/>
+              <a:t>Dtove</a:t>
+            </a:r>
+            <a:r>
+              <a:rPr lang="en-US" sz="1200" dirty="0"/>
+              <a:t> Development., Colorado State University, Spring 2011.</a:t>
+            </a:r>
+          </a:p>
+        </p:txBody>
+      </p:sp>
+      <p:pic>
+        <p:nvPicPr>
+          <p:cNvPr id="5" name="Picture 4"/>
+          <p:cNvPicPr>
+            <a:picLocks noChangeAspect="1"/>
+          </p:cNvPicPr>
+          <p:nvPr/>
+        </p:nvPicPr>
+        <p:blipFill rotWithShape="1">
+          <a:blip r:embed="rId2"/>
+          <a:srcRect t="6226" b="7619"/>
+          <a:stretch/>
+        </p:blipFill>
+        <p:spPr>
+          <a:xfrm>
+            <a:off x="6684264" y="2322575"/>
+            <a:ext cx="4647819" cy="1938529"/>
+          </a:xfrm>
+          <a:prstGeom prst="rect">
+            <a:avLst/>
+          </a:prstGeom>
+        </p:spPr>
+      </p:pic>
+      <p:sp>
+        <p:nvSpPr>
+          <p:cNvPr id="6" name="TextBox 5"/>
+          <p:cNvSpPr txBox="1"/>
+          <p:nvPr/>
+        </p:nvSpPr>
+        <p:spPr>
+          <a:xfrm>
+            <a:off x="7269480" y="4425696"/>
+            <a:ext cx="3685032" cy="369332"/>
+          </a:xfrm>
+          <a:prstGeom prst="rect">
+            <a:avLst/>
+          </a:prstGeom>
+          <a:noFill/>
+        </p:spPr>
+        <p:txBody>
+          <a:bodyPr wrap="square" rtlCol="0">
+            <a:spAutoFit/>
+          </a:bodyPr>
+          <a:lstStyle/>
+          <a:p>
+            <a:pPr algn="ctr"/>
+            <a:r>
+              <a:rPr lang="en-US" dirty="0"/>
+              <a:t>Out of Context Contour Plots</a:t>
+            </a:r>
+            <a:r>
+              <a:rPr lang="en-US" baseline="30000" dirty="0"/>
+              <a:t>4</a:t>
+            </a:r>
             <a:endParaRPr lang="en-US" dirty="0"/>
           </a:p>
         </p:txBody>
@@ -5378,7 +6168,7 @@
     </p:spTree>
     <p:extLst>
       <p:ext uri="{BB962C8B-B14F-4D97-AF65-F5344CB8AC3E}">
-        <p14:creationId xmlns:p14="http://schemas.microsoft.com/office/powerpoint/2010/main" val="2792775528"/>
+        <p14:creationId xmlns:p14="http://schemas.microsoft.com/office/powerpoint/2010/main" val="1057589100"/>
       </p:ext>
     </p:extLst>
   </p:cSld>
@@ -5410,7 +6200,7 @@
           <p:cNvPr id="2" name="Title 1">
             <a:extLst>
               <a:ext uri="{FF2B5EF4-FFF2-40B4-BE49-F238E27FC236}">
-                <a16:creationId xmlns:a16="http://schemas.microsoft.com/office/drawing/2014/main" id="{96E77586-5521-4A2D-9701-FAF35867538B}"/>
+                <a16:creationId xmlns:a16="http://schemas.microsoft.com/office/drawing/2014/main" id="{5A54E72F-0E66-4C08-A6AD-D63030864C9D}"/>
               </a:ext>
             </a:extLst>
           </p:cNvPr>
@@ -5428,7 +6218,7 @@
           <a:p>
             <a:r>
               <a:rPr lang="en-US" dirty="0"/>
-              <a:t>Theory—Geometry </a:t>
+              <a:t>Research Gap </a:t>
             </a:r>
           </a:p>
         </p:txBody>
@@ -5438,7 +6228,7 @@
           <p:cNvPr id="3" name="Content Placeholder 2">
             <a:extLst>
               <a:ext uri="{FF2B5EF4-FFF2-40B4-BE49-F238E27FC236}">
-                <a16:creationId xmlns:a16="http://schemas.microsoft.com/office/drawing/2014/main" id="{2861BACE-71F8-426A-AFE7-7E3930758A3E}"/>
+                <a16:creationId xmlns:a16="http://schemas.microsoft.com/office/drawing/2014/main" id="{991C8EDB-22F0-4E0C-9967-57225F15FEA2}"/>
               </a:ext>
             </a:extLst>
           </p:cNvPr>
@@ -5449,48 +6239,120 @@
             <p:ph idx="1"/>
           </p:nvPr>
         </p:nvSpPr>
-        <p:spPr/>
-        <p:txBody>
-          <a:bodyPr/>
-          <a:lstStyle/>
-          <a:p>
-            <a:r>
-              <a:rPr lang="en-US" dirty="0"/>
-              <a:t>-put in an original image of the geometry</a:t>
-            </a:r>
-          </a:p>
-          <a:p>
-            <a:pPr lvl="1"/>
-            <a:r>
-              <a:rPr lang="en-US" dirty="0"/>
-              <a:t>-inputs (diam, </a:t>
-            </a:r>
-            <a:r>
-              <a:rPr lang="en-US" dirty="0" err="1"/>
-              <a:t>heights,etc</a:t>
-            </a:r>
-            <a:r>
-              <a:rPr lang="en-US" dirty="0"/>
-              <a:t>)</a:t>
-            </a:r>
-          </a:p>
-          <a:p>
-            <a:pPr lvl="1"/>
-            <a:r>
-              <a:rPr lang="en-US" dirty="0"/>
-              <a:t>Output (stove geometry)</a:t>
-            </a:r>
-          </a:p>
-          <a:p>
-            <a:pPr lvl="1"/>
+        <p:spPr>
+          <a:xfrm>
+            <a:off x="1097280" y="1845734"/>
+            <a:ext cx="5413248" cy="4023360"/>
+          </a:xfrm>
+        </p:spPr>
+        <p:txBody>
+          <a:bodyPr/>
+          <a:lstStyle/>
+          <a:p>
+            <a:r>
+              <a:rPr lang="en-US" dirty="0"/>
+              <a:t>No existing user-friendly modelling software for cookstove designers.</a:t>
+            </a:r>
+          </a:p>
+          <a:p>
+            <a:r>
+              <a:rPr lang="en-US" dirty="0"/>
+              <a:t>Current investigations are limited to </a:t>
+            </a:r>
+            <a:r>
+              <a:rPr lang="en-US" b="1" dirty="0"/>
+              <a:t>single</a:t>
+            </a:r>
+            <a:r>
+              <a:rPr lang="en-US" dirty="0"/>
+              <a:t> cookstove geometries.</a:t>
+            </a:r>
+          </a:p>
+          <a:p>
+            <a:r>
+              <a:rPr lang="en-US" b="1" dirty="0"/>
+              <a:t>Proposed Solution</a:t>
+            </a:r>
+            <a:r>
+              <a:rPr lang="en-US" dirty="0"/>
+              <a:t>: Develop user-friendly software for cookstove CFD simulation with optimization functionality. Allow users to analyze any geometry based on a variety of input parameters.</a:t>
+            </a:r>
+          </a:p>
+          <a:p>
             <a:endParaRPr lang="en-US" dirty="0"/>
+          </a:p>
+          <a:p>
+            <a:endParaRPr lang="en-US" dirty="0"/>
+          </a:p>
+          <a:p>
+            <a:endParaRPr lang="en-US" dirty="0"/>
+          </a:p>
+          <a:p>
+            <a:pPr marL="0" indent="0">
+              <a:buNone/>
+            </a:pPr>
+            <a:endParaRPr lang="en-US" dirty="0"/>
+          </a:p>
+        </p:txBody>
+      </p:sp>
+      <p:pic>
+        <p:nvPicPr>
+          <p:cNvPr id="4" name="Picture 3"/>
+          <p:cNvPicPr>
+            <a:picLocks noChangeAspect="1"/>
+          </p:cNvPicPr>
+          <p:nvPr/>
+        </p:nvPicPr>
+        <p:blipFill>
+          <a:blip r:embed="rId2"/>
+          <a:stretch>
+            <a:fillRect/>
+          </a:stretch>
+        </p:blipFill>
+        <p:spPr>
+          <a:xfrm>
+            <a:off x="7363434" y="2130552"/>
+            <a:ext cx="3792246" cy="2852928"/>
+          </a:xfrm>
+          <a:prstGeom prst="rect">
+            <a:avLst/>
+          </a:prstGeom>
+        </p:spPr>
+      </p:pic>
+      <p:sp>
+        <p:nvSpPr>
+          <p:cNvPr id="5" name="TextBox 4"/>
+          <p:cNvSpPr txBox="1"/>
+          <p:nvPr/>
+        </p:nvSpPr>
+        <p:spPr>
+          <a:xfrm>
+            <a:off x="7363434" y="5157216"/>
+            <a:ext cx="3792246" cy="369332"/>
+          </a:xfrm>
+          <a:prstGeom prst="rect">
+            <a:avLst/>
+          </a:prstGeom>
+          <a:noFill/>
+        </p:spPr>
+        <p:txBody>
+          <a:bodyPr wrap="square" rtlCol="0">
+            <a:spAutoFit/>
+          </a:bodyPr>
+          <a:lstStyle/>
+          <a:p>
+            <a:pPr algn="ctr"/>
+            <a:r>
+              <a:rPr lang="en-US" dirty="0"/>
+              <a:t>Software Development</a:t>
+            </a:r>
           </a:p>
         </p:txBody>
       </p:sp>
     </p:spTree>
     <p:extLst>
       <p:ext uri="{BB962C8B-B14F-4D97-AF65-F5344CB8AC3E}">
-        <p14:creationId xmlns:p14="http://schemas.microsoft.com/office/powerpoint/2010/main" val="1062026580"/>
+        <p14:creationId xmlns:p14="http://schemas.microsoft.com/office/powerpoint/2010/main" val="2792775528"/>
       </p:ext>
     </p:extLst>
   </p:cSld>
@@ -5536,66 +6398,284 @@
         <p:spPr/>
         <p:txBody>
           <a:bodyPr>
-            <a:normAutofit fontScale="90000"/>
+            <a:normAutofit/>
           </a:bodyPr>
           <a:lstStyle/>
           <a:p>
             <a:r>
               <a:rPr lang="en-US" dirty="0"/>
-              <a:t>Theory—CFD (boundary and initial conditions </a:t>
-            </a:r>
-            <a:r>
-              <a:rPr lang="en-US" dirty="0" err="1"/>
-              <a:t>cond’ts</a:t>
-            </a:r>
-            <a:r>
-              <a:rPr lang="en-US" dirty="0"/>
-              <a:t>, </a:t>
-            </a:r>
-            <a:r>
-              <a:rPr lang="en-US" dirty="0" err="1"/>
-              <a:t>turb</a:t>
-            </a:r>
-            <a:r>
-              <a:rPr lang="en-US" dirty="0"/>
-              <a:t> + comb models, </a:t>
-            </a:r>
-            <a:r>
-              <a:rPr lang="en-US" dirty="0" err="1"/>
-              <a:t>etc</a:t>
-            </a:r>
-            <a:r>
-              <a:rPr lang="en-US" dirty="0"/>
-              <a:t>) </a:t>
-            </a:r>
-          </a:p>
-        </p:txBody>
-      </p:sp>
-      <p:sp>
-        <p:nvSpPr>
-          <p:cNvPr id="3" name="Content Placeholder 2">
-            <a:extLst>
-              <a:ext uri="{FF2B5EF4-FFF2-40B4-BE49-F238E27FC236}">
-                <a16:creationId xmlns:a16="http://schemas.microsoft.com/office/drawing/2014/main" id="{928932D0-BBEE-44C0-8324-C682BBD84945}"/>
-              </a:ext>
-            </a:extLst>
-          </p:cNvPr>
-          <p:cNvSpPr>
-            <a:spLocks noGrp="1"/>
-          </p:cNvSpPr>
-          <p:nvPr>
-            <p:ph idx="1"/>
-          </p:nvPr>
-        </p:nvSpPr>
-        <p:spPr/>
-        <p:txBody>
-          <a:bodyPr/>
-          <a:lstStyle/>
-          <a:p>
-            <a:endParaRPr lang="en-US" dirty="0"/>
-          </a:p>
-        </p:txBody>
-      </p:sp>
+              <a:t>Theory—CFD Models</a:t>
+            </a:r>
+          </a:p>
+        </p:txBody>
+      </p:sp>
+      <mc:AlternateContent xmlns:mc="http://schemas.openxmlformats.org/markup-compatibility/2006" xmlns:a14="http://schemas.microsoft.com/office/drawing/2010/main">
+        <mc:Choice Requires="a14">
+          <p:sp>
+            <p:nvSpPr>
+              <p:cNvPr id="3" name="Content Placeholder 2">
+                <a:extLst>
+                  <a:ext uri="{FF2B5EF4-FFF2-40B4-BE49-F238E27FC236}">
+                    <a16:creationId xmlns:a16="http://schemas.microsoft.com/office/drawing/2014/main" id="{928932D0-BBEE-44C0-8324-C682BBD84945}"/>
+                  </a:ext>
+                </a:extLst>
+              </p:cNvPr>
+              <p:cNvSpPr>
+                <a:spLocks noGrp="1"/>
+              </p:cNvSpPr>
+              <p:nvPr>
+                <p:ph idx="1"/>
+              </p:nvPr>
+            </p:nvSpPr>
+            <p:spPr>
+              <a:xfrm>
+                <a:off x="1097280" y="1845734"/>
+                <a:ext cx="5870448" cy="4023360"/>
+              </a:xfrm>
+            </p:spPr>
+            <p:txBody>
+              <a:bodyPr>
+                <a:normAutofit lnSpcReduction="10000"/>
+              </a:bodyPr>
+              <a:lstStyle/>
+              <a:p>
+                <a:r>
+                  <a:rPr lang="en-US" dirty="0"/>
+                  <a:t>2-dimensional domain:</a:t>
+                </a:r>
+              </a:p>
+              <a:p>
+                <a:pPr lvl="1"/>
+                <a:r>
+                  <a:rPr lang="en-US" dirty="0">
+                    <a:solidFill>
+                      <a:srgbClr val="FF0000"/>
+                    </a:solidFill>
+                  </a:rPr>
+                  <a:t>Mesh details from Ubuntu command line</a:t>
+                </a:r>
+              </a:p>
+              <a:p>
+                <a:r>
+                  <a:rPr lang="en-US" dirty="0"/>
+                  <a:t>Transient simulation:</a:t>
+                </a:r>
+              </a:p>
+              <a:p>
+                <a:pPr lvl="1"/>
+                <a14:m>
+                  <m:oMath xmlns:m="http://schemas.openxmlformats.org/officeDocument/2006/math">
+                    <m:r>
+                      <a:rPr lang="en-US" i="1" smtClean="0">
+                        <a:latin typeface="Cambria Math" panose="02040503050406030204" pitchFamily="18" charset="0"/>
+                        <a:ea typeface="Cambria Math" panose="02040503050406030204" pitchFamily="18" charset="0"/>
+                      </a:rPr>
+                      <m:t>∆</m:t>
+                    </m:r>
+                    <m:r>
+                      <a:rPr lang="en-US" b="0" i="1" smtClean="0">
+                        <a:latin typeface="Cambria Math" panose="02040503050406030204" pitchFamily="18" charset="0"/>
+                        <a:ea typeface="Cambria Math" panose="02040503050406030204" pitchFamily="18" charset="0"/>
+                      </a:rPr>
+                      <m:t>𝑡</m:t>
+                    </m:r>
+                    <m:r>
+                      <a:rPr lang="en-US" b="0" i="1" smtClean="0">
+                        <a:latin typeface="Cambria Math" panose="02040503050406030204" pitchFamily="18" charset="0"/>
+                        <a:ea typeface="Cambria Math" panose="02040503050406030204" pitchFamily="18" charset="0"/>
+                      </a:rPr>
+                      <m:t>=</m:t>
+                    </m:r>
+                    <m:sSup>
+                      <m:sSupPr>
+                        <m:ctrlPr>
+                          <a:rPr lang="en-US" b="0" i="1" smtClean="0">
+                            <a:latin typeface="Cambria Math" panose="02040503050406030204" pitchFamily="18" charset="0"/>
+                            <a:ea typeface="Cambria Math" panose="02040503050406030204" pitchFamily="18" charset="0"/>
+                          </a:rPr>
+                        </m:ctrlPr>
+                      </m:sSupPr>
+                      <m:e>
+                        <m:r>
+                          <a:rPr lang="en-US" b="0" i="1" smtClean="0">
+                            <a:latin typeface="Cambria Math" panose="02040503050406030204" pitchFamily="18" charset="0"/>
+                            <a:ea typeface="Cambria Math" panose="02040503050406030204" pitchFamily="18" charset="0"/>
+                          </a:rPr>
+                          <m:t>10</m:t>
+                        </m:r>
+                      </m:e>
+                      <m:sup>
+                        <m:r>
+                          <a:rPr lang="en-US" b="0" i="1" smtClean="0">
+                            <a:latin typeface="Cambria Math" panose="02040503050406030204" pitchFamily="18" charset="0"/>
+                            <a:ea typeface="Cambria Math" panose="02040503050406030204" pitchFamily="18" charset="0"/>
+                          </a:rPr>
+                          <m:t>−4</m:t>
+                        </m:r>
+                      </m:sup>
+                    </m:sSup>
+                    <m:r>
+                      <a:rPr lang="en-US" b="0" i="1" smtClean="0">
+                        <a:latin typeface="Cambria Math" panose="02040503050406030204" pitchFamily="18" charset="0"/>
+                        <a:ea typeface="Cambria Math" panose="02040503050406030204" pitchFamily="18" charset="0"/>
+                      </a:rPr>
+                      <m:t> </m:t>
+                    </m:r>
+                    <m:r>
+                      <a:rPr lang="en-US" b="0" i="1" smtClean="0">
+                        <a:latin typeface="Cambria Math" panose="02040503050406030204" pitchFamily="18" charset="0"/>
+                        <a:ea typeface="Cambria Math" panose="02040503050406030204" pitchFamily="18" charset="0"/>
+                      </a:rPr>
+                      <m:t>𝑠</m:t>
+                    </m:r>
+                  </m:oMath>
+                </a14:m>
+                <a:endParaRPr lang="en-US" dirty="0"/>
+              </a:p>
+              <a:p>
+                <a:r>
+                  <a:rPr lang="en-US" dirty="0"/>
+                  <a:t>Reaction Model:</a:t>
+                </a:r>
+              </a:p>
+              <a:p>
+                <a:pPr lvl="1"/>
+                <a:r>
+                  <a:rPr lang="en-US" dirty="0"/>
+                  <a:t>Adapted from </a:t>
+                </a:r>
+                <a:r>
+                  <a:rPr lang="en-US" i="1" dirty="0" err="1"/>
+                  <a:t>reactingFoam</a:t>
+                </a:r>
+                <a:r>
+                  <a:rPr lang="en-US" dirty="0"/>
+                  <a:t> solver</a:t>
+                </a:r>
+              </a:p>
+              <a:p>
+                <a:pPr lvl="1"/>
+                <a:r>
+                  <a:rPr lang="en-US" dirty="0"/>
+                  <a:t>Compressible</a:t>
+                </a:r>
+              </a:p>
+              <a:p>
+                <a:pPr lvl="1"/>
+                <a:r>
+                  <a:rPr lang="en-US" dirty="0"/>
+                  <a:t>Chemistry (single reaction)</a:t>
+                </a:r>
+              </a:p>
+              <a:p>
+                <a:pPr lvl="1"/>
+                <a:r>
+                  <a:rPr lang="en-US" dirty="0"/>
+                  <a:t>Combustion</a:t>
+                </a:r>
+              </a:p>
+              <a:p>
+                <a:pPr lvl="1"/>
+                <a:r>
+                  <a:rPr lang="en-US" dirty="0"/>
+                  <a:t>Turbulence</a:t>
+                </a:r>
+              </a:p>
+              <a:p>
+                <a:pPr lvl="1"/>
+                <a:r>
+                  <a:rPr lang="en-US" dirty="0"/>
+                  <a:t>Heat Transfer</a:t>
+                </a:r>
+              </a:p>
+              <a:p>
+                <a:pPr lvl="1"/>
+                <a:r>
+                  <a:rPr lang="en-US" dirty="0"/>
+                  <a:t>*Details in appendix*</a:t>
+                </a:r>
+              </a:p>
+              <a:p>
+                <a:pPr lvl="1"/>
+                <a:endParaRPr lang="en-US" dirty="0"/>
+              </a:p>
+              <a:p>
+                <a:endParaRPr lang="en-US" dirty="0"/>
+              </a:p>
+              <a:p>
+                <a:endParaRPr lang="en-US" dirty="0"/>
+              </a:p>
+            </p:txBody>
+          </p:sp>
+        </mc:Choice>
+        <mc:Fallback xmlns="">
+          <p:sp>
+            <p:nvSpPr>
+              <p:cNvPr id="3" name="Content Placeholder 2">
+                <a:extLst>
+                  <a:ext uri="{FF2B5EF4-FFF2-40B4-BE49-F238E27FC236}">
+                    <a16:creationId xmlns:a16="http://schemas.microsoft.com/office/drawing/2014/main" id="{928932D0-BBEE-44C0-8324-C682BBD84945}"/>
+                  </a:ext>
+                </a:extLst>
+              </p:cNvPr>
+              <p:cNvSpPr>
+                <a:spLocks noGrp="1" noRot="1" noChangeAspect="1" noMove="1" noResize="1" noEditPoints="1" noAdjustHandles="1" noChangeArrowheads="1" noChangeShapeType="1" noTextEdit="1"/>
+              </p:cNvSpPr>
+              <p:nvPr>
+                <p:ph idx="1"/>
+              </p:nvPr>
+            </p:nvSpPr>
+            <p:spPr>
+              <a:xfrm>
+                <a:off x="1097280" y="1845734"/>
+                <a:ext cx="5870448" cy="4023360"/>
+              </a:xfrm>
+              <a:blipFill>
+                <a:blip r:embed="rId2"/>
+                <a:stretch>
+                  <a:fillRect l="-1038" t="-2273"/>
+                </a:stretch>
+              </a:blipFill>
+            </p:spPr>
+            <p:txBody>
+              <a:bodyPr/>
+              <a:lstStyle/>
+              <a:p>
+                <a:r>
+                  <a:rPr lang="en-US">
+                    <a:noFill/>
+                  </a:rPr>
+                  <a:t> </a:t>
+                </a:r>
+              </a:p>
+            </p:txBody>
+          </p:sp>
+        </mc:Fallback>
+      </mc:AlternateContent>
+      <p:pic>
+        <p:nvPicPr>
+          <p:cNvPr id="4" name="Picture 3"/>
+          <p:cNvPicPr>
+            <a:picLocks noChangeAspect="1"/>
+          </p:cNvPicPr>
+          <p:nvPr/>
+        </p:nvPicPr>
+        <p:blipFill>
+          <a:blip r:embed="rId3"/>
+          <a:stretch>
+            <a:fillRect/>
+          </a:stretch>
+        </p:blipFill>
+        <p:spPr>
+          <a:xfrm>
+            <a:off x="6019948" y="1949646"/>
+            <a:ext cx="4774302" cy="3307252"/>
+          </a:xfrm>
+          <a:prstGeom prst="rect">
+            <a:avLst/>
+          </a:prstGeom>
+        </p:spPr>
+      </p:pic>
     </p:spTree>
     <p:extLst>
       <p:ext uri="{BB962C8B-B14F-4D97-AF65-F5344CB8AC3E}">
@@ -5631,7 +6711,7 @@
           <p:cNvPr id="2" name="Title 1">
             <a:extLst>
               <a:ext uri="{FF2B5EF4-FFF2-40B4-BE49-F238E27FC236}">
-                <a16:creationId xmlns:a16="http://schemas.microsoft.com/office/drawing/2014/main" id="{CEB27990-61A7-4167-B57F-C33649439A91}"/>
+                <a16:creationId xmlns:a16="http://schemas.microsoft.com/office/drawing/2014/main" id="{ED17F4F0-7327-41CA-8801-5F92FB0AC9BB}"/>
               </a:ext>
             </a:extLst>
           </p:cNvPr>
@@ -5649,7 +6729,7 @@
           <a:p>
             <a:r>
               <a:rPr lang="en-US" dirty="0"/>
-              <a:t>Theory—Optimization</a:t>
+              <a:t>Software—Overview </a:t>
             </a:r>
           </a:p>
         </p:txBody>
@@ -5659,7 +6739,7 @@
           <p:cNvPr id="3" name="Content Placeholder 2">
             <a:extLst>
               <a:ext uri="{FF2B5EF4-FFF2-40B4-BE49-F238E27FC236}">
-                <a16:creationId xmlns:a16="http://schemas.microsoft.com/office/drawing/2014/main" id="{DB7E6226-A2CF-49D6-8F87-24F8BE75DD50}"/>
+                <a16:creationId xmlns:a16="http://schemas.microsoft.com/office/drawing/2014/main" id="{0222CD12-83C9-4CA7-8251-F332A2135018}"/>
               </a:ext>
             </a:extLst>
           </p:cNvPr>
@@ -5677,34 +6757,81 @@
           <a:p>
             <a:r>
               <a:rPr lang="en-US" dirty="0"/>
-              <a:t>-inputs, and outputs (how to determine fitness)</a:t>
-            </a:r>
-          </a:p>
-          <a:p>
-            <a:r>
-              <a:rPr lang="en-US" dirty="0"/>
-              <a:t>-review that optimization ppt and find something closest to what I am doing</a:t>
-            </a:r>
-          </a:p>
-          <a:p>
-            <a:r>
-              <a:rPr lang="en-US" dirty="0"/>
-              <a:t>-</a:t>
-            </a:r>
-            <a:r>
-              <a:rPr lang="en-US" dirty="0">
-                <a:sym typeface="Wingdings" panose="05000000000000000000" pitchFamily="2" charset="2"/>
-              </a:rPr>
-              <a:t> think it’s the super trivial one</a:t>
-            </a:r>
+              <a:t>Windows OS, programmed in Python using Spyder IDE.</a:t>
+            </a:r>
+          </a:p>
+          <a:p>
+            <a:r>
+              <a:rPr lang="en-US" dirty="0"/>
+              <a:t>Dependencies:</a:t>
+            </a:r>
+          </a:p>
+          <a:p>
+            <a:pPr lvl="1"/>
+            <a:r>
+              <a:rPr lang="en-US" dirty="0"/>
+              <a:t>Python (V 2.7 or greater), </a:t>
+            </a:r>
+            <a:r>
+              <a:rPr lang="en-US" dirty="0" err="1"/>
+              <a:t>OpenFOAM</a:t>
+            </a:r>
+            <a:r>
+              <a:rPr lang="en-US" dirty="0"/>
+              <a:t> (V6), Linux subsystem</a:t>
+            </a:r>
+          </a:p>
+          <a:p>
+            <a:r>
+              <a:rPr lang="en-US" dirty="0"/>
+              <a:t>General Flow:</a:t>
+            </a:r>
+          </a:p>
+          <a:p>
             <a:endParaRPr lang="en-US" dirty="0"/>
           </a:p>
-        </p:txBody>
-      </p:sp>
+          <a:p>
+            <a:endParaRPr lang="en-US" dirty="0"/>
+          </a:p>
+          <a:p>
+            <a:endParaRPr lang="en-US" dirty="0"/>
+          </a:p>
+        </p:txBody>
+      </p:sp>
+      <p:pic>
+        <p:nvPicPr>
+          <p:cNvPr id="6" name="Picture 5">
+            <a:extLst>
+              <a:ext uri="{FF2B5EF4-FFF2-40B4-BE49-F238E27FC236}">
+                <a16:creationId xmlns:a16="http://schemas.microsoft.com/office/drawing/2014/main" id="{11CFE9D8-4E09-454A-A8F4-6CCD03999418}"/>
+              </a:ext>
+            </a:extLst>
+          </p:cNvPr>
+          <p:cNvPicPr>
+            <a:picLocks noChangeAspect="1"/>
+          </p:cNvPicPr>
+          <p:nvPr/>
+        </p:nvPicPr>
+        <p:blipFill>
+          <a:blip r:embed="rId2"/>
+          <a:stretch>
+            <a:fillRect/>
+          </a:stretch>
+        </p:blipFill>
+        <p:spPr>
+          <a:xfrm>
+            <a:off x="1526958" y="3557153"/>
+            <a:ext cx="8412148" cy="2236035"/>
+          </a:xfrm>
+          <a:prstGeom prst="rect">
+            <a:avLst/>
+          </a:prstGeom>
+        </p:spPr>
+      </p:pic>
     </p:spTree>
     <p:extLst>
       <p:ext uri="{BB962C8B-B14F-4D97-AF65-F5344CB8AC3E}">
-        <p14:creationId xmlns:p14="http://schemas.microsoft.com/office/powerpoint/2010/main" val="2008896673"/>
+        <p14:creationId xmlns:p14="http://schemas.microsoft.com/office/powerpoint/2010/main" val="3939700348"/>
       </p:ext>
     </p:extLst>
   </p:cSld>
@@ -5736,7 +6863,7 @@
           <p:cNvPr id="2" name="Title 1">
             <a:extLst>
               <a:ext uri="{FF2B5EF4-FFF2-40B4-BE49-F238E27FC236}">
-                <a16:creationId xmlns:a16="http://schemas.microsoft.com/office/drawing/2014/main" id="{ED17F4F0-7327-41CA-8801-5F92FB0AC9BB}"/>
+                <a16:creationId xmlns:a16="http://schemas.microsoft.com/office/drawing/2014/main" id="{CEB27990-61A7-4167-B57F-C33649439A91}"/>
               </a:ext>
             </a:extLst>
           </p:cNvPr>
@@ -5754,7 +6881,7 @@
           <a:p>
             <a:r>
               <a:rPr lang="en-US" dirty="0"/>
-              <a:t>Software—Overview </a:t>
+              <a:t>Software—User Inputs</a:t>
             </a:r>
           </a:p>
         </p:txBody>
@@ -5764,7 +6891,7 @@
           <p:cNvPr id="3" name="Content Placeholder 2">
             <a:extLst>
               <a:ext uri="{FF2B5EF4-FFF2-40B4-BE49-F238E27FC236}">
-                <a16:creationId xmlns:a16="http://schemas.microsoft.com/office/drawing/2014/main" id="{0222CD12-83C9-4CA7-8251-F332A2135018}"/>
+                <a16:creationId xmlns:a16="http://schemas.microsoft.com/office/drawing/2014/main" id="{DB7E6226-A2CF-49D6-8F87-24F8BE75DD50}"/>
               </a:ext>
             </a:extLst>
           </p:cNvPr>
@@ -5777,35 +6904,253 @@
         </p:nvSpPr>
         <p:spPr/>
         <p:txBody>
-          <a:bodyPr/>
-          <a:lstStyle/>
-          <a:p>
-            <a:r>
-              <a:rPr lang="en-US" dirty="0"/>
-              <a:t>-operating system, IDE used, </a:t>
-            </a:r>
-          </a:p>
-          <a:p>
-            <a:r>
-              <a:rPr lang="en-US" dirty="0"/>
-              <a:t>-generally, what does the software do?</a:t>
-            </a:r>
-          </a:p>
-          <a:p>
-            <a:r>
-              <a:rPr lang="en-US" dirty="0"/>
-              <a:t>-flow algorithm</a:t>
-            </a:r>
-          </a:p>
-          <a:p>
+          <a:bodyPr>
+            <a:normAutofit lnSpcReduction="10000"/>
+          </a:bodyPr>
+          <a:lstStyle/>
+          <a:p>
+            <a:r>
+              <a:rPr lang="en-US" dirty="0"/>
+              <a:t>Geometric Parameters:</a:t>
+            </a:r>
+          </a:p>
+          <a:p>
+            <a:pPr lvl="1"/>
+            <a:r>
+              <a:rPr lang="en-US" dirty="0"/>
+              <a:t>Combustion chamber diameter (d</a:t>
+            </a:r>
+            <a:r>
+              <a:rPr lang="en-US" baseline="-25000" dirty="0"/>
+              <a:t>c</a:t>
+            </a:r>
+            <a:r>
+              <a:rPr lang="en-US" dirty="0"/>
+              <a:t>)</a:t>
+            </a:r>
+          </a:p>
+          <a:p>
+            <a:pPr lvl="1"/>
+            <a:r>
+              <a:rPr lang="en-US" dirty="0"/>
+              <a:t>Combustion chamber height (</a:t>
+            </a:r>
+            <a:r>
+              <a:rPr lang="en-US" dirty="0" err="1"/>
+              <a:t>h</a:t>
+            </a:r>
+            <a:r>
+              <a:rPr lang="en-US" baseline="-25000" dirty="0" err="1"/>
+              <a:t>c</a:t>
+            </a:r>
+            <a:r>
+              <a:rPr lang="en-US" dirty="0"/>
+              <a:t>)</a:t>
+            </a:r>
+          </a:p>
+          <a:p>
+            <a:pPr lvl="1"/>
+            <a:r>
+              <a:rPr lang="en-US" dirty="0"/>
+              <a:t>Height of secondary inlet (</a:t>
+            </a:r>
+            <a:r>
+              <a:rPr lang="en-US" dirty="0" err="1"/>
+              <a:t>h</a:t>
+            </a:r>
+            <a:r>
+              <a:rPr lang="en-US" baseline="-25000" dirty="0" err="1"/>
+              <a:t>FD</a:t>
+            </a:r>
+            <a:r>
+              <a:rPr lang="en-US" dirty="0"/>
+              <a:t>)</a:t>
+            </a:r>
+          </a:p>
+          <a:p>
+            <a:pPr lvl="1"/>
+            <a:r>
+              <a:rPr lang="en-US" dirty="0"/>
+              <a:t>Diameter of secondary inlet (</a:t>
+            </a:r>
+            <a:r>
+              <a:rPr lang="en-US" dirty="0" err="1"/>
+              <a:t>d</a:t>
+            </a:r>
+            <a:r>
+              <a:rPr lang="en-US" baseline="-25000" dirty="0" err="1"/>
+              <a:t>FD</a:t>
+            </a:r>
+            <a:r>
+              <a:rPr lang="en-US" dirty="0"/>
+              <a:t>)</a:t>
+            </a:r>
+          </a:p>
+          <a:p>
+            <a:pPr lvl="1"/>
+            <a:r>
+              <a:rPr lang="en-US" dirty="0"/>
+              <a:t>Channel width (</a:t>
+            </a:r>
+            <a:r>
+              <a:rPr lang="en-US" dirty="0" err="1"/>
+              <a:t>w</a:t>
+            </a:r>
+            <a:r>
+              <a:rPr lang="en-US" baseline="-25000" dirty="0" err="1"/>
+              <a:t>ch</a:t>
+            </a:r>
+            <a:r>
+              <a:rPr lang="en-US" dirty="0"/>
+              <a:t>)</a:t>
+            </a:r>
+          </a:p>
+          <a:p>
+            <a:pPr lvl="1"/>
+            <a:r>
+              <a:rPr lang="en-US" dirty="0"/>
+              <a:t>Channel height (</a:t>
+            </a:r>
+            <a:r>
+              <a:rPr lang="en-US" dirty="0" err="1"/>
+              <a:t>h</a:t>
+            </a:r>
+            <a:r>
+              <a:rPr lang="en-US" baseline="-25000" dirty="0" err="1"/>
+              <a:t>ch</a:t>
+            </a:r>
+            <a:r>
+              <a:rPr lang="en-US" dirty="0"/>
+              <a:t>)</a:t>
+            </a:r>
+          </a:p>
+          <a:p>
+            <a:pPr lvl="1"/>
+            <a:r>
+              <a:rPr lang="en-US" dirty="0"/>
+              <a:t>Cone Deck height(</a:t>
+            </a:r>
+            <a:r>
+              <a:rPr lang="en-US" dirty="0" err="1"/>
+              <a:t>h</a:t>
+            </a:r>
+            <a:r>
+              <a:rPr lang="en-US" baseline="-25000" dirty="0" err="1"/>
+              <a:t>cd</a:t>
+            </a:r>
+            <a:r>
+              <a:rPr lang="en-US" dirty="0"/>
+              <a:t>)</a:t>
+            </a:r>
+          </a:p>
+          <a:p>
+            <a:pPr lvl="1"/>
+            <a:r>
+              <a:rPr lang="en-US" dirty="0"/>
+              <a:t>Cone deck length (</a:t>
+            </a:r>
+            <a:r>
+              <a:rPr lang="en-US" dirty="0" err="1"/>
+              <a:t>L</a:t>
+            </a:r>
+            <a:r>
+              <a:rPr lang="en-US" baseline="-25000" dirty="0" err="1"/>
+              <a:t>cd</a:t>
+            </a:r>
+            <a:r>
+              <a:rPr lang="en-US" dirty="0"/>
+              <a:t>)</a:t>
+            </a:r>
+          </a:p>
+          <a:p>
+            <a:pPr lvl="1"/>
+            <a:r>
+              <a:rPr lang="en-US" dirty="0"/>
+              <a:t>Pot spacing (</a:t>
+            </a:r>
+            <a:r>
+              <a:rPr lang="en-US" dirty="0" err="1"/>
+              <a:t>p</a:t>
+            </a:r>
+            <a:r>
+              <a:rPr lang="en-US" baseline="-25000" dirty="0" err="1"/>
+              <a:t>sp</a:t>
+            </a:r>
+            <a:r>
+              <a:rPr lang="en-US" dirty="0"/>
+              <a:t>)</a:t>
+            </a:r>
+          </a:p>
+          <a:p>
+            <a:r>
+              <a:rPr lang="en-US" dirty="0"/>
+              <a:t>Flow Parameters:</a:t>
+            </a:r>
+          </a:p>
+          <a:p>
+            <a:pPr lvl="1"/>
+            <a:r>
+              <a:rPr lang="en-US" dirty="0"/>
+              <a:t>Secondary inlet flow rate (Q</a:t>
+            </a:r>
+            <a:r>
+              <a:rPr lang="en-US" baseline="-25000" dirty="0"/>
+              <a:t>FD</a:t>
+            </a:r>
+            <a:r>
+              <a:rPr lang="en-US" dirty="0"/>
+              <a:t>)</a:t>
+            </a:r>
+          </a:p>
+          <a:p>
+            <a:pPr lvl="1"/>
             <a:endParaRPr lang="en-US" dirty="0"/>
+          </a:p>
+        </p:txBody>
+      </p:sp>
+      <p:sp>
+        <p:nvSpPr>
+          <p:cNvPr id="4" name="TextBox 3">
+            <a:extLst>
+              <a:ext uri="{FF2B5EF4-FFF2-40B4-BE49-F238E27FC236}">
+                <a16:creationId xmlns:a16="http://schemas.microsoft.com/office/drawing/2014/main" id="{DA6691F9-FEF3-4134-BB08-CDC8E95A5266}"/>
+              </a:ext>
+            </a:extLst>
+          </p:cNvPr>
+          <p:cNvSpPr txBox="1"/>
+          <p:nvPr/>
+        </p:nvSpPr>
+        <p:spPr>
+          <a:xfrm>
+            <a:off x="6462944" y="2920753"/>
+            <a:ext cx="4216893" cy="369332"/>
+          </a:xfrm>
+          <a:prstGeom prst="rect">
+            <a:avLst/>
+          </a:prstGeom>
+          <a:noFill/>
+        </p:spPr>
+        <p:txBody>
+          <a:bodyPr wrap="square" rtlCol="0">
+            <a:spAutoFit/>
+          </a:bodyPr>
+          <a:lstStyle/>
+          <a:p>
+            <a:r>
+              <a:rPr lang="en-US" dirty="0">
+                <a:solidFill>
+                  <a:srgbClr val="FF0000"/>
+                </a:solidFill>
+              </a:rPr>
+              <a:t>LC make a figure with the variables </a:t>
+            </a:r>
           </a:p>
         </p:txBody>
       </p:sp>
     </p:spTree>
     <p:extLst>
       <p:ext uri="{BB962C8B-B14F-4D97-AF65-F5344CB8AC3E}">
-        <p14:creationId xmlns:p14="http://schemas.microsoft.com/office/powerpoint/2010/main" val="3939700348"/>
+        <p14:creationId xmlns:p14="http://schemas.microsoft.com/office/powerpoint/2010/main" val="2008896673"/>
       </p:ext>
     </p:extLst>
   </p:cSld>
